--- a/PLUG-GPG.Talk-with.Demo-20170808.pptx
+++ b/PLUG-GPG.Talk-with.Demo-20170808.pptx
@@ -45,6 +45,7 @@
     <p:sldId id="288" r:id="rId38"/>
     <p:sldId id="289" r:id="rId39"/>
     <p:sldId id="290" r:id="rId40"/>
+    <p:sldId id="291" r:id="rId41"/>
   </p:sldIdLst>
   <p:sldSz cx="10080625" cy="7559675"/>
   <p:notesSz cx="7559675" cy="10691812"/>
@@ -220,7 +221,7 @@
           <a:bodyPr lIns="0" rIns="0" tIns="0" bIns="0" anchor="b"/>
           <a:p>
             <a:pPr algn="r"/>
-            <a:fld id="{67815552-BBB5-426D-B456-E93AC6710C62}" type="slidenum">
+            <a:fld id="{1F004D19-0D3D-403F-8F5E-6EF10467402F}" type="slidenum">
               <a:rPr lang="en-AU" sz="1400">
                 <a:latin typeface="Times New Roman"/>
               </a:rPr>
@@ -255,7 +256,7 @@
       </p:grpSpPr>
       <p:sp>
         <p:nvSpPr>
-          <p:cNvPr id="217" name="PlaceHolder 1"/>
+          <p:cNvPr id="221" name="PlaceHolder 1"/>
           <p:cNvSpPr>
             <a:spLocks noGrp="1"/>
           </p:cNvSpPr>
@@ -266,7 +267,7 @@
         <p:spPr>
           <a:xfrm>
             <a:off x="756000" y="5078520"/>
-            <a:ext cx="6047280" cy="4810680"/>
+            <a:ext cx="6046920" cy="4810320"/>
           </a:xfrm>
           <a:prstGeom prst="rect">
             <a:avLst/>
@@ -368,7 +369,7 @@
       </p:grpSpPr>
       <p:sp>
         <p:nvSpPr>
-          <p:cNvPr id="223" name="PlaceHolder 1"/>
+          <p:cNvPr id="227" name="PlaceHolder 1"/>
           <p:cNvSpPr>
             <a:spLocks noGrp="1"/>
           </p:cNvSpPr>
@@ -379,7 +380,7 @@
         <p:spPr>
           <a:xfrm>
             <a:off x="756000" y="5078520"/>
-            <a:ext cx="6047280" cy="4810680"/>
+            <a:ext cx="6046920" cy="4810320"/>
           </a:xfrm>
           <a:prstGeom prst="rect">
             <a:avLst/>
@@ -600,7 +601,7 @@
       </p:grpSpPr>
       <p:sp>
         <p:nvSpPr>
-          <p:cNvPr id="224" name="PlaceHolder 1"/>
+          <p:cNvPr id="228" name="PlaceHolder 1"/>
           <p:cNvSpPr>
             <a:spLocks noGrp="1"/>
           </p:cNvSpPr>
@@ -611,7 +612,7 @@
         <p:spPr>
           <a:xfrm>
             <a:off x="756000" y="5078520"/>
-            <a:ext cx="6047280" cy="4810680"/>
+            <a:ext cx="6046920" cy="4810320"/>
           </a:xfrm>
           <a:prstGeom prst="rect">
             <a:avLst/>
@@ -771,7 +772,7 @@
 </p:notes>
 </file>
 
-<file path=ppt/notesSlides/notesSlide27.xml><?xml version="1.0" encoding="utf-8"?>
+<file path=ppt/notesSlides/notesSlide24.xml><?xml version="1.0" encoding="utf-8"?>
 <p:notes xmlns:a="http://schemas.openxmlformats.org/drawingml/2006/main" xmlns:p="http://schemas.openxmlformats.org/presentationml/2006/main" xmlns:r="http://schemas.openxmlformats.org/officeDocument/2006/relationships">
   <p:cSld>
     <p:spTree>
@@ -790,7 +791,7 @@
       </p:grpSpPr>
       <p:sp>
         <p:nvSpPr>
-          <p:cNvPr id="225" name="PlaceHolder 1"/>
+          <p:cNvPr id="229" name="PlaceHolder 1"/>
           <p:cNvSpPr>
             <a:spLocks noGrp="1"/>
           </p:cNvSpPr>
@@ -800,7 +801,7 @@
         </p:nvSpPr>
         <p:spPr>
           <a:xfrm>
-            <a:off x="756000" y="5078520"/>
+            <a:off x="755640" y="5078520"/>
             <a:ext cx="6047280" cy="4810680"/>
           </a:xfrm>
           <a:prstGeom prst="rect">
@@ -810,29 +811,80 @@
         <p:txBody>
           <a:bodyPr lIns="0" rIns="0" tIns="0" bIns="0"/>
           <a:p>
-            <a:r>
-              <a:rPr lang="en-AU" sz="2000" strike="noStrike">
-                <a:latin typeface="Arial"/>
-              </a:rPr>
-              <a:t>Demo</a:t>
-            </a:r>
-            <a:endParaRPr/>
-          </a:p>
-          <a:p>
             <a:pPr>
-              <a:lnSpc>
-                <a:spcPct val="100000"/>
-              </a:lnSpc>
               <a:buSzPct val="45000"/>
               <a:buFont typeface="StarSymbol"/>
-              <a:buChar char="l"/>
-            </a:pPr>
-            <a:r>
-              <a:rPr lang="en-AU" sz="2000" strike="noStrike">
-                <a:latin typeface="Arial"/>
-              </a:rPr>
-              <a:t>gpg --list-keys --keyid-format long</a:t>
-            </a:r>
+              <a:buChar char=""/>
+            </a:pPr>
+            <a:r>
+              <a:rPr lang="en-AU" sz="2000">
+                <a:latin typeface="Arial"/>
+              </a:rPr>
+              <a:t>Public Key Cryptography is asymmetric</a:t>
+            </a:r>
+            <a:endParaRPr/>
+          </a:p>
+          <a:p>
+            <a:pPr>
+              <a:buSzPct val="45000"/>
+              <a:buFont typeface="StarSymbol"/>
+              <a:buChar char=""/>
+            </a:pPr>
+            <a:r>
+              <a:rPr lang="en-AU" sz="2000">
+                <a:latin typeface="Arial"/>
+              </a:rPr>
+              <a:t>But you can still apply it in “reverse”</a:t>
+            </a:r>
+            <a:endParaRPr/>
+          </a:p>
+          <a:p>
+            <a:pPr>
+              <a:buSzPct val="45000"/>
+              <a:buFont typeface="StarSymbol"/>
+              <a:buChar char=""/>
+            </a:pPr>
+            <a:r>
+              <a:rPr lang="en-AU" sz="2000">
+                <a:latin typeface="Arial"/>
+              </a:rPr>
+              <a:t>If you encrypt with your secret key</a:t>
+            </a:r>
+            <a:r>
+              <a:rPr lang="en-AU" sz="2000">
+                <a:latin typeface="Arial"/>
+              </a:rPr>
+              <a:t>
+</a:t>
+            </a:r>
+            <a:r>
+              <a:rPr lang="en-AU" sz="2000">
+                <a:latin typeface="Arial"/>
+              </a:rPr>
+              <a:t>only your public key can decrypt it</a:t>
+            </a:r>
+            <a:endParaRPr/>
+          </a:p>
+          <a:p>
+            <a:pPr>
+              <a:buSzPct val="45000"/>
+              <a:buFont typeface="StarSymbol"/>
+              <a:buChar char=""/>
+            </a:pPr>
+            <a:r>
+              <a:rPr lang="en-AU" sz="2000">
+                <a:latin typeface="Arial"/>
+              </a:rPr>
+              <a:t>So only you could have done the encryption</a:t>
+            </a:r>
+            <a:endParaRPr/>
+          </a:p>
+          <a:p>
+            <a:pPr>
+              <a:buSzPct val="45000"/>
+              <a:buFont typeface="StarSymbol"/>
+              <a:buChar char=""/>
+            </a:pPr>
             <a:endParaRPr/>
           </a:p>
         </p:txBody>
@@ -842,7 +894,7 @@
 </p:notes>
 </file>
 
-<file path=ppt/notesSlides/notesSlide29.xml><?xml version="1.0" encoding="utf-8"?>
+<file path=ppt/notesSlides/notesSlide28.xml><?xml version="1.0" encoding="utf-8"?>
 <p:notes xmlns:a="http://schemas.openxmlformats.org/drawingml/2006/main" xmlns:p="http://schemas.openxmlformats.org/presentationml/2006/main" xmlns:r="http://schemas.openxmlformats.org/officeDocument/2006/relationships">
   <p:cSld>
     <p:spTree>
@@ -861,7 +913,7 @@
       </p:grpSpPr>
       <p:sp>
         <p:nvSpPr>
-          <p:cNvPr id="226" name="PlaceHolder 1"/>
+          <p:cNvPr id="230" name="PlaceHolder 1"/>
           <p:cNvSpPr>
             <a:spLocks noGrp="1"/>
           </p:cNvSpPr>
@@ -872,7 +924,7 @@
         <p:spPr>
           <a:xfrm>
             <a:off x="756000" y="5078520"/>
-            <a:ext cx="6047280" cy="4810680"/>
+            <a:ext cx="6046920" cy="4810320"/>
           </a:xfrm>
           <a:prstGeom prst="rect">
             <a:avLst/>
@@ -902,100 +954,8 @@
               <a:rPr lang="en-AU" sz="2000" strike="noStrike">
                 <a:latin typeface="Arial"/>
               </a:rPr>
-              <a:t>ls -l *MD5*</a:t>
-            </a:r>
-            <a:endParaRPr/>
-          </a:p>
-          <a:p>
-            <a:pPr>
-              <a:lnSpc>
-                <a:spcPct val="100000"/>
-              </a:lnSpc>
-            </a:pPr>
-            <a:endParaRPr/>
-          </a:p>
-          <a:p>
-            <a:pPr>
-              <a:lnSpc>
-                <a:spcPct val="100000"/>
-              </a:lnSpc>
-              <a:buSzPct val="45000"/>
-              <a:buFont typeface="StarSymbol"/>
-              <a:buChar char="l"/>
-            </a:pPr>
-            <a:r>
-              <a:rPr lang="en-AU" sz="2000" strike="noStrike">
-                <a:latin typeface="Arial"/>
-              </a:rPr>
-              <a:t>cat debian.txt</a:t>
-            </a:r>
-            <a:endParaRPr/>
-          </a:p>
-          <a:p>
-            <a:pPr>
-              <a:lnSpc>
-                <a:spcPct val="100000"/>
-              </a:lnSpc>
-              <a:buSzPct val="45000"/>
-              <a:buFont typeface="StarSymbol"/>
-              <a:buChar char="l"/>
-            </a:pPr>
-            <a:r>
-              <a:rPr lang="en-AU" sz="2000" strike="noStrike">
-                <a:latin typeface="Arial"/>
-              </a:rPr>
-              <a:t>gpg --recv-keys --keyserver keyserver.debian.org 6294BE9B</a:t>
-            </a:r>
-            <a:endParaRPr/>
-          </a:p>
-          <a:p>
-            <a:pPr>
-              <a:lnSpc>
-                <a:spcPct val="100000"/>
-              </a:lnSpc>
-              <a:buSzPct val="45000"/>
-              <a:buFont typeface="StarSymbol"/>
-              <a:buChar char="l"/>
-            </a:pPr>
-            <a:r>
-              <a:rPr lang="en-AU" sz="2000" strike="noStrike">
-                <a:latin typeface="Arial"/>
-              </a:rPr>
-              <a:t>gpg --fingerprint 6294BE9B</a:t>
-            </a:r>
-            <a:endParaRPr/>
-          </a:p>
-          <a:p>
-            <a:pPr>
-              <a:lnSpc>
-                <a:spcPct val="100000"/>
-              </a:lnSpc>
-            </a:pPr>
-            <a:endParaRPr/>
-          </a:p>
-          <a:p>
-            <a:pPr>
-              <a:lnSpc>
-                <a:spcPct val="100000"/>
-              </a:lnSpc>
-              <a:buSzPct val="45000"/>
-              <a:buFont typeface="StarSymbol"/>
-              <a:buChar char="l"/>
-            </a:pPr>
-            <a:r>
-              <a:rPr lang="en-AU" sz="2000" strike="noStrike">
-                <a:latin typeface="Arial"/>
-              </a:rPr>
-              <a:t>gpg --verify debian-6.0.2.1-i386-CD-MD5SUMS.sign</a:t>
-            </a:r>
-            <a:endParaRPr/>
-          </a:p>
-          <a:p>
-            <a:pPr>
-              <a:lnSpc>
-                <a:spcPct val="100000"/>
-              </a:lnSpc>
-            </a:pPr>
+              <a:t>gpg --list-keys --keyid-format long</a:t>
+            </a:r>
             <a:endParaRPr/>
           </a:p>
         </p:txBody>
@@ -1024,7 +984,7 @@
       </p:grpSpPr>
       <p:sp>
         <p:nvSpPr>
-          <p:cNvPr id="218" name="PlaceHolder 1"/>
+          <p:cNvPr id="222" name="PlaceHolder 1"/>
           <p:cNvSpPr>
             <a:spLocks noGrp="1"/>
           </p:cNvSpPr>
@@ -1035,7 +995,7 @@
         <p:spPr>
           <a:xfrm>
             <a:off x="756000" y="5078520"/>
-            <a:ext cx="6047280" cy="4810680"/>
+            <a:ext cx="6046920" cy="4810320"/>
           </a:xfrm>
           <a:prstGeom prst="rect">
             <a:avLst/>
@@ -1109,6 +1069,169 @@
               </a:rPr>
               <a:t>Major problem: keeping the key safe</a:t>
             </a:r>
+            <a:endParaRPr/>
+          </a:p>
+        </p:txBody>
+      </p:sp>
+    </p:spTree>
+  </p:cSld>
+</p:notes>
+</file>
+
+<file path=ppt/notesSlides/notesSlide30.xml><?xml version="1.0" encoding="utf-8"?>
+<p:notes xmlns:a="http://schemas.openxmlformats.org/drawingml/2006/main" xmlns:p="http://schemas.openxmlformats.org/presentationml/2006/main" xmlns:r="http://schemas.openxmlformats.org/officeDocument/2006/relationships">
+  <p:cSld>
+    <p:spTree>
+      <p:nvGrpSpPr>
+        <p:cNvPr id="1" name=""/>
+        <p:cNvGrpSpPr/>
+        <p:nvPr/>
+      </p:nvGrpSpPr>
+      <p:grpSpPr>
+        <a:xfrm>
+          <a:off x="0" y="0"/>
+          <a:ext cx="0" cy="0"/>
+          <a:chOff x="0" y="0"/>
+          <a:chExt cx="0" cy="0"/>
+        </a:xfrm>
+      </p:grpSpPr>
+      <p:sp>
+        <p:nvSpPr>
+          <p:cNvPr id="231" name="PlaceHolder 1"/>
+          <p:cNvSpPr>
+            <a:spLocks noGrp="1"/>
+          </p:cNvSpPr>
+          <p:nvPr>
+            <p:ph type="body"/>
+          </p:nvPr>
+        </p:nvSpPr>
+        <p:spPr>
+          <a:xfrm>
+            <a:off x="756000" y="5078520"/>
+            <a:ext cx="6046920" cy="4810320"/>
+          </a:xfrm>
+          <a:prstGeom prst="rect">
+            <a:avLst/>
+          </a:prstGeom>
+        </p:spPr>
+        <p:txBody>
+          <a:bodyPr lIns="0" rIns="0" tIns="0" bIns="0"/>
+          <a:p>
+            <a:r>
+              <a:rPr lang="en-AU" sz="2000" strike="noStrike">
+                <a:latin typeface="Arial"/>
+              </a:rPr>
+              <a:t>Demo</a:t>
+            </a:r>
+            <a:endParaRPr/>
+          </a:p>
+          <a:p>
+            <a:pPr>
+              <a:lnSpc>
+                <a:spcPct val="100000"/>
+              </a:lnSpc>
+              <a:buSzPct val="45000"/>
+              <a:buFont typeface="StarSymbol"/>
+              <a:buChar char="l"/>
+            </a:pPr>
+            <a:r>
+              <a:rPr lang="en-AU" sz="2000" strike="noStrike">
+                <a:latin typeface="Arial"/>
+              </a:rPr>
+              <a:t>ls -l *MD5*</a:t>
+            </a:r>
+            <a:endParaRPr/>
+          </a:p>
+          <a:p>
+            <a:pPr>
+              <a:lnSpc>
+                <a:spcPct val="100000"/>
+              </a:lnSpc>
+            </a:pPr>
+            <a:endParaRPr/>
+          </a:p>
+          <a:p>
+            <a:pPr>
+              <a:lnSpc>
+                <a:spcPct val="100000"/>
+              </a:lnSpc>
+              <a:buSzPct val="45000"/>
+              <a:buFont typeface="StarSymbol"/>
+              <a:buChar char="l"/>
+            </a:pPr>
+            <a:r>
+              <a:rPr lang="en-AU" sz="2000" strike="noStrike">
+                <a:latin typeface="Arial"/>
+              </a:rPr>
+              <a:t>cat debian.txt</a:t>
+            </a:r>
+            <a:endParaRPr/>
+          </a:p>
+          <a:p>
+            <a:pPr>
+              <a:lnSpc>
+                <a:spcPct val="100000"/>
+              </a:lnSpc>
+              <a:buSzPct val="45000"/>
+              <a:buFont typeface="StarSymbol"/>
+              <a:buChar char="l"/>
+            </a:pPr>
+            <a:r>
+              <a:rPr lang="en-AU" sz="2000" strike="noStrike">
+                <a:latin typeface="Arial"/>
+              </a:rPr>
+              <a:t>gpg --recv-keys --keyserver keyserver.debian.org 6294BE9B</a:t>
+            </a:r>
+            <a:endParaRPr/>
+          </a:p>
+          <a:p>
+            <a:pPr>
+              <a:lnSpc>
+                <a:spcPct val="100000"/>
+              </a:lnSpc>
+              <a:buSzPct val="45000"/>
+              <a:buFont typeface="StarSymbol"/>
+              <a:buChar char="l"/>
+            </a:pPr>
+            <a:r>
+              <a:rPr lang="en-AU" sz="2000" strike="noStrike">
+                <a:latin typeface="Arial"/>
+              </a:rPr>
+              <a:t>gpg --fingerprint 6294BE9B</a:t>
+            </a:r>
+            <a:endParaRPr/>
+          </a:p>
+          <a:p>
+            <a:pPr>
+              <a:lnSpc>
+                <a:spcPct val="100000"/>
+              </a:lnSpc>
+            </a:pPr>
+            <a:endParaRPr/>
+          </a:p>
+          <a:p>
+            <a:pPr>
+              <a:lnSpc>
+                <a:spcPct val="100000"/>
+              </a:lnSpc>
+              <a:buSzPct val="45000"/>
+              <a:buFont typeface="StarSymbol"/>
+              <a:buChar char="l"/>
+            </a:pPr>
+            <a:r>
+              <a:rPr lang="en-AU" sz="2000" strike="noStrike">
+                <a:latin typeface="Arial"/>
+              </a:rPr>
+              <a:t>gpg --verify debian-6.0.2.1-i386-CD-MD5SUMS.sign</a:t>
+            </a:r>
+            <a:endParaRPr/>
+          </a:p>
+          <a:p>
+            <a:pPr>
+              <a:lnSpc>
+                <a:spcPct val="100000"/>
+              </a:lnSpc>
+            </a:pPr>
             <a:endParaRPr/>
           </a:p>
         </p:txBody>
@@ -1137,7 +1260,7 @@
       </p:grpSpPr>
       <p:sp>
         <p:nvSpPr>
-          <p:cNvPr id="219" name="PlaceHolder 1"/>
+          <p:cNvPr id="223" name="PlaceHolder 1"/>
           <p:cNvSpPr>
             <a:spLocks noGrp="1"/>
           </p:cNvSpPr>
@@ -1148,7 +1271,7 @@
         <p:spPr>
           <a:xfrm>
             <a:off x="756000" y="5078520"/>
-            <a:ext cx="6047280" cy="4810680"/>
+            <a:ext cx="6046920" cy="4810320"/>
           </a:xfrm>
           <a:prstGeom prst="rect">
             <a:avLst/>
@@ -1187,6 +1310,23 @@
                 <a:latin typeface="Arial"/>
               </a:rPr>
               <a:t>Use two different keys</a:t>
+            </a:r>
+            <a:endParaRPr/>
+          </a:p>
+          <a:p>
+            <a:pPr>
+              <a:lnSpc>
+                <a:spcPct val="100000"/>
+              </a:lnSpc>
+              <a:buSzPct val="45000"/>
+              <a:buFont typeface="StarSymbol"/>
+              <a:buChar char="l"/>
+            </a:pPr>
+            <a:r>
+              <a:rPr lang="en-AU" sz="2000" strike="noStrike">
+                <a:latin typeface="Arial"/>
+              </a:rPr>
+              <a:t>One you make public, the other you keep secret</a:t>
             </a:r>
             <a:endParaRPr/>
           </a:p>
@@ -1284,7 +1424,7 @@
       </p:grpSpPr>
       <p:sp>
         <p:nvSpPr>
-          <p:cNvPr id="220" name="PlaceHolder 1"/>
+          <p:cNvPr id="224" name="PlaceHolder 1"/>
           <p:cNvSpPr>
             <a:spLocks noGrp="1"/>
           </p:cNvSpPr>
@@ -1295,7 +1435,7 @@
         <p:spPr>
           <a:xfrm>
             <a:off x="756000" y="5078520"/>
-            <a:ext cx="6047280" cy="4810680"/>
+            <a:ext cx="6046920" cy="4810320"/>
           </a:xfrm>
           <a:prstGeom prst="rect">
             <a:avLst/>
@@ -1397,7 +1537,7 @@
       </p:grpSpPr>
       <p:sp>
         <p:nvSpPr>
-          <p:cNvPr id="221" name="PlaceHolder 1"/>
+          <p:cNvPr id="225" name="PlaceHolder 1"/>
           <p:cNvSpPr>
             <a:spLocks noGrp="1"/>
           </p:cNvSpPr>
@@ -1408,7 +1548,7 @@
         <p:spPr>
           <a:xfrm>
             <a:off x="756000" y="5078520"/>
-            <a:ext cx="6047280" cy="4810680"/>
+            <a:ext cx="6046920" cy="4810320"/>
           </a:xfrm>
           <a:prstGeom prst="rect">
             <a:avLst/>
@@ -1493,7 +1633,7 @@
       </p:grpSpPr>
       <p:sp>
         <p:nvSpPr>
-          <p:cNvPr id="222" name="PlaceHolder 1"/>
+          <p:cNvPr id="226" name="PlaceHolder 1"/>
           <p:cNvSpPr>
             <a:spLocks noGrp="1"/>
           </p:cNvSpPr>
@@ -1504,7 +1644,7 @@
         <p:spPr>
           <a:xfrm>
             <a:off x="756000" y="5078520"/>
-            <a:ext cx="6047280" cy="4810680"/>
+            <a:ext cx="6046920" cy="4810320"/>
           </a:xfrm>
           <a:prstGeom prst="rect">
             <a:avLst/>
@@ -1758,7 +1898,7 @@
         <p:spPr>
           <a:xfrm>
             <a:off x="504000" y="301320"/>
-            <a:ext cx="9071280" cy="1261800"/>
+            <a:ext cx="9072000" cy="1261800"/>
           </a:xfrm>
           <a:prstGeom prst="rect">
             <a:avLst/>
@@ -1784,8 +1924,8 @@
         </p:nvSpPr>
         <p:spPr>
           <a:xfrm>
-            <a:off x="504000" y="1769040"/>
-            <a:ext cx="9071280" cy="2090880"/>
+            <a:off x="504000" y="1768680"/>
+            <a:ext cx="9072000" cy="2090880"/>
           </a:xfrm>
           <a:prstGeom prst="rect">
             <a:avLst/>
@@ -1810,8 +1950,8 @@
         </p:nvSpPr>
         <p:spPr>
           <a:xfrm>
-            <a:off x="504000" y="4059000"/>
-            <a:ext cx="9071280" cy="2090880"/>
+            <a:off x="504000" y="4058640"/>
+            <a:ext cx="9072000" cy="2090880"/>
           </a:xfrm>
           <a:prstGeom prst="rect">
             <a:avLst/>
@@ -1859,7 +1999,7 @@
         <p:spPr>
           <a:xfrm>
             <a:off x="504000" y="301320"/>
-            <a:ext cx="9071280" cy="1261800"/>
+            <a:ext cx="9072000" cy="1261800"/>
           </a:xfrm>
           <a:prstGeom prst="rect">
             <a:avLst/>
@@ -1885,8 +2025,8 @@
         </p:nvSpPr>
         <p:spPr>
           <a:xfrm>
-            <a:off x="504000" y="1769040"/>
-            <a:ext cx="4426560" cy="2090880"/>
+            <a:off x="504000" y="1768680"/>
+            <a:ext cx="4426920" cy="2090880"/>
           </a:xfrm>
           <a:prstGeom prst="rect">
             <a:avLst/>
@@ -1911,8 +2051,8 @@
         </p:nvSpPr>
         <p:spPr>
           <a:xfrm>
-            <a:off x="5152320" y="1769040"/>
-            <a:ext cx="4426560" cy="2090880"/>
+            <a:off x="5152680" y="1768680"/>
+            <a:ext cx="4426920" cy="2090880"/>
           </a:xfrm>
           <a:prstGeom prst="rect">
             <a:avLst/>
@@ -1937,8 +2077,8 @@
         </p:nvSpPr>
         <p:spPr>
           <a:xfrm>
-            <a:off x="5152320" y="4059000"/>
-            <a:ext cx="4426560" cy="2090880"/>
+            <a:off x="5152680" y="4058640"/>
+            <a:ext cx="4426920" cy="2090880"/>
           </a:xfrm>
           <a:prstGeom prst="rect">
             <a:avLst/>
@@ -1963,8 +2103,8 @@
         </p:nvSpPr>
         <p:spPr>
           <a:xfrm>
-            <a:off x="504000" y="4059000"/>
-            <a:ext cx="4426560" cy="2090880"/>
+            <a:off x="504000" y="4058640"/>
+            <a:ext cx="4426920" cy="2090880"/>
           </a:xfrm>
           <a:prstGeom prst="rect">
             <a:avLst/>
@@ -2012,7 +2152,7 @@
         <p:spPr>
           <a:xfrm>
             <a:off x="504000" y="301320"/>
-            <a:ext cx="9071280" cy="1261800"/>
+            <a:ext cx="9072000" cy="1261800"/>
           </a:xfrm>
           <a:prstGeom prst="rect">
             <a:avLst/>
@@ -2038,8 +2178,8 @@
         </p:nvSpPr>
         <p:spPr>
           <a:xfrm>
-            <a:off x="504000" y="1769040"/>
-            <a:ext cx="9071280" cy="4384080"/>
+            <a:off x="504000" y="1768680"/>
+            <a:ext cx="9072000" cy="4384080"/>
           </a:xfrm>
           <a:prstGeom prst="rect">
             <a:avLst/>
@@ -2064,8 +2204,8 @@
         </p:nvSpPr>
         <p:spPr>
           <a:xfrm>
-            <a:off x="504000" y="1769040"/>
-            <a:ext cx="9071280" cy="4384080"/>
+            <a:off x="504000" y="1768680"/>
+            <a:ext cx="9072000" cy="4384080"/>
           </a:xfrm>
           <a:prstGeom prst="rect">
             <a:avLst/>
@@ -2090,7 +2230,7 @@
         </p:blipFill>
         <p:spPr>
           <a:xfrm>
-            <a:off x="2291760" y="1769040"/>
+            <a:off x="2292120" y="1768680"/>
             <a:ext cx="5495400" cy="4384080"/>
           </a:xfrm>
           <a:prstGeom prst="rect">
@@ -2113,7 +2253,7 @@
         </p:blipFill>
         <p:spPr>
           <a:xfrm>
-            <a:off x="2291760" y="1769040"/>
+            <a:off x="2292120" y="1768680"/>
             <a:ext cx="5495400" cy="4384080"/>
           </a:xfrm>
           <a:prstGeom prst="rect">
@@ -2181,7 +2321,7 @@
         <p:spPr>
           <a:xfrm>
             <a:off x="504000" y="301320"/>
-            <a:ext cx="9071280" cy="1261800"/>
+            <a:ext cx="9072000" cy="1261800"/>
           </a:xfrm>
           <a:prstGeom prst="rect">
             <a:avLst/>
@@ -2207,8 +2347,8 @@
         </p:nvSpPr>
         <p:spPr>
           <a:xfrm>
-            <a:off x="504000" y="1769040"/>
-            <a:ext cx="9071280" cy="4384080"/>
+            <a:off x="504000" y="1768680"/>
+            <a:ext cx="9072000" cy="4384080"/>
           </a:xfrm>
           <a:prstGeom prst="rect">
             <a:avLst/>
@@ -2257,7 +2397,7 @@
         <p:spPr>
           <a:xfrm>
             <a:off x="504000" y="301320"/>
-            <a:ext cx="9071280" cy="1261800"/>
+            <a:ext cx="9072000" cy="1261800"/>
           </a:xfrm>
           <a:prstGeom prst="rect">
             <a:avLst/>
@@ -2283,8 +2423,8 @@
         </p:nvSpPr>
         <p:spPr>
           <a:xfrm>
-            <a:off x="504000" y="1769040"/>
-            <a:ext cx="9071280" cy="4384080"/>
+            <a:off x="504000" y="1768680"/>
+            <a:ext cx="9072000" cy="4384080"/>
           </a:xfrm>
           <a:prstGeom prst="rect">
             <a:avLst/>
@@ -2332,7 +2472,7 @@
         <p:spPr>
           <a:xfrm>
             <a:off x="504000" y="301320"/>
-            <a:ext cx="9071280" cy="1261800"/>
+            <a:ext cx="9072000" cy="1261800"/>
           </a:xfrm>
           <a:prstGeom prst="rect">
             <a:avLst/>
@@ -2358,8 +2498,8 @@
         </p:nvSpPr>
         <p:spPr>
           <a:xfrm>
-            <a:off x="504000" y="1769040"/>
-            <a:ext cx="4426560" cy="4384080"/>
+            <a:off x="504000" y="1768680"/>
+            <a:ext cx="4426920" cy="4384080"/>
           </a:xfrm>
           <a:prstGeom prst="rect">
             <a:avLst/>
@@ -2384,8 +2524,8 @@
         </p:nvSpPr>
         <p:spPr>
           <a:xfrm>
-            <a:off x="5152320" y="1769040"/>
-            <a:ext cx="4426560" cy="4384080"/>
+            <a:off x="5152680" y="1768680"/>
+            <a:ext cx="4426920" cy="4384080"/>
           </a:xfrm>
           <a:prstGeom prst="rect">
             <a:avLst/>
@@ -2433,7 +2573,7 @@
         <p:spPr>
           <a:xfrm>
             <a:off x="504000" y="301320"/>
-            <a:ext cx="9071280" cy="1261800"/>
+            <a:ext cx="9072000" cy="1261800"/>
           </a:xfrm>
           <a:prstGeom prst="rect">
             <a:avLst/>
@@ -2482,7 +2622,7 @@
         <p:spPr>
           <a:xfrm>
             <a:off x="504000" y="301320"/>
-            <a:ext cx="9071280" cy="5850360"/>
+            <a:ext cx="9072000" cy="5850360"/>
           </a:xfrm>
           <a:prstGeom prst="rect">
             <a:avLst/>
@@ -2531,7 +2671,7 @@
         <p:spPr>
           <a:xfrm>
             <a:off x="504000" y="301320"/>
-            <a:ext cx="9071280" cy="1261800"/>
+            <a:ext cx="9072000" cy="1261800"/>
           </a:xfrm>
           <a:prstGeom prst="rect">
             <a:avLst/>
@@ -2557,8 +2697,8 @@
         </p:nvSpPr>
         <p:spPr>
           <a:xfrm>
-            <a:off x="504000" y="1769040"/>
-            <a:ext cx="4426560" cy="2090880"/>
+            <a:off x="504000" y="1768680"/>
+            <a:ext cx="4426920" cy="2090880"/>
           </a:xfrm>
           <a:prstGeom prst="rect">
             <a:avLst/>
@@ -2583,8 +2723,8 @@
         </p:nvSpPr>
         <p:spPr>
           <a:xfrm>
-            <a:off x="504000" y="4059000"/>
-            <a:ext cx="4426560" cy="2090880"/>
+            <a:off x="504000" y="4058640"/>
+            <a:ext cx="4426920" cy="2090880"/>
           </a:xfrm>
           <a:prstGeom prst="rect">
             <a:avLst/>
@@ -2609,8 +2749,8 @@
         </p:nvSpPr>
         <p:spPr>
           <a:xfrm>
-            <a:off x="5152320" y="1769040"/>
-            <a:ext cx="4426560" cy="4384080"/>
+            <a:off x="5152680" y="1768680"/>
+            <a:ext cx="4426920" cy="4384080"/>
           </a:xfrm>
           <a:prstGeom prst="rect">
             <a:avLst/>
@@ -2658,7 +2798,7 @@
         <p:spPr>
           <a:xfrm>
             <a:off x="504000" y="301320"/>
-            <a:ext cx="9071280" cy="1261800"/>
+            <a:ext cx="9072000" cy="1261800"/>
           </a:xfrm>
           <a:prstGeom prst="rect">
             <a:avLst/>
@@ -2684,8 +2824,8 @@
         </p:nvSpPr>
         <p:spPr>
           <a:xfrm>
-            <a:off x="504000" y="1769040"/>
-            <a:ext cx="9071280" cy="4384080"/>
+            <a:off x="504000" y="1768680"/>
+            <a:ext cx="9072000" cy="4384080"/>
           </a:xfrm>
           <a:prstGeom prst="rect">
             <a:avLst/>
@@ -2734,7 +2874,7 @@
         <p:spPr>
           <a:xfrm>
             <a:off x="504000" y="301320"/>
-            <a:ext cx="9071280" cy="1261800"/>
+            <a:ext cx="9072000" cy="1261800"/>
           </a:xfrm>
           <a:prstGeom prst="rect">
             <a:avLst/>
@@ -2760,8 +2900,8 @@
         </p:nvSpPr>
         <p:spPr>
           <a:xfrm>
-            <a:off x="504000" y="1769040"/>
-            <a:ext cx="4426560" cy="4384080"/>
+            <a:off x="504000" y="1768680"/>
+            <a:ext cx="4426920" cy="4384080"/>
           </a:xfrm>
           <a:prstGeom prst="rect">
             <a:avLst/>
@@ -2786,8 +2926,8 @@
         </p:nvSpPr>
         <p:spPr>
           <a:xfrm>
-            <a:off x="5152320" y="1769040"/>
-            <a:ext cx="4426560" cy="2090880"/>
+            <a:off x="5152680" y="1768680"/>
+            <a:ext cx="4426920" cy="2090880"/>
           </a:xfrm>
           <a:prstGeom prst="rect">
             <a:avLst/>
@@ -2812,8 +2952,8 @@
         </p:nvSpPr>
         <p:spPr>
           <a:xfrm>
-            <a:off x="5152320" y="4059000"/>
-            <a:ext cx="4426560" cy="2090880"/>
+            <a:off x="5152680" y="4058640"/>
+            <a:ext cx="4426920" cy="2090880"/>
           </a:xfrm>
           <a:prstGeom prst="rect">
             <a:avLst/>
@@ -2861,7 +3001,7 @@
         <p:spPr>
           <a:xfrm>
             <a:off x="504000" y="301320"/>
-            <a:ext cx="9071280" cy="1261800"/>
+            <a:ext cx="9072000" cy="1261800"/>
           </a:xfrm>
           <a:prstGeom prst="rect">
             <a:avLst/>
@@ -2887,8 +3027,8 @@
         </p:nvSpPr>
         <p:spPr>
           <a:xfrm>
-            <a:off x="504000" y="1769040"/>
-            <a:ext cx="4426560" cy="2090880"/>
+            <a:off x="504000" y="1768680"/>
+            <a:ext cx="4426920" cy="2090880"/>
           </a:xfrm>
           <a:prstGeom prst="rect">
             <a:avLst/>
@@ -2913,8 +3053,8 @@
         </p:nvSpPr>
         <p:spPr>
           <a:xfrm>
-            <a:off x="5152320" y="1769040"/>
-            <a:ext cx="4426560" cy="2090880"/>
+            <a:off x="5152680" y="1768680"/>
+            <a:ext cx="4426920" cy="2090880"/>
           </a:xfrm>
           <a:prstGeom prst="rect">
             <a:avLst/>
@@ -2939,8 +3079,8 @@
         </p:nvSpPr>
         <p:spPr>
           <a:xfrm>
-            <a:off x="504000" y="4059000"/>
-            <a:ext cx="9071280" cy="2090880"/>
+            <a:off x="504000" y="4058640"/>
+            <a:ext cx="9072000" cy="2090880"/>
           </a:xfrm>
           <a:prstGeom prst="rect">
             <a:avLst/>
@@ -2988,7 +3128,7 @@
         <p:spPr>
           <a:xfrm>
             <a:off x="504000" y="301320"/>
-            <a:ext cx="9071280" cy="1261800"/>
+            <a:ext cx="9072000" cy="1261800"/>
           </a:xfrm>
           <a:prstGeom prst="rect">
             <a:avLst/>
@@ -3014,8 +3154,8 @@
         </p:nvSpPr>
         <p:spPr>
           <a:xfrm>
-            <a:off x="504000" y="1769040"/>
-            <a:ext cx="9071280" cy="2090880"/>
+            <a:off x="504000" y="1768680"/>
+            <a:ext cx="9072000" cy="2090880"/>
           </a:xfrm>
           <a:prstGeom prst="rect">
             <a:avLst/>
@@ -3040,8 +3180,8 @@
         </p:nvSpPr>
         <p:spPr>
           <a:xfrm>
-            <a:off x="504000" y="4059000"/>
-            <a:ext cx="9071280" cy="2090880"/>
+            <a:off x="504000" y="4058640"/>
+            <a:ext cx="9072000" cy="2090880"/>
           </a:xfrm>
           <a:prstGeom prst="rect">
             <a:avLst/>
@@ -3089,7 +3229,7 @@
         <p:spPr>
           <a:xfrm>
             <a:off x="504000" y="301320"/>
-            <a:ext cx="9071280" cy="1261800"/>
+            <a:ext cx="9072000" cy="1261800"/>
           </a:xfrm>
           <a:prstGeom prst="rect">
             <a:avLst/>
@@ -3115,8 +3255,8 @@
         </p:nvSpPr>
         <p:spPr>
           <a:xfrm>
-            <a:off x="504000" y="1769040"/>
-            <a:ext cx="4426560" cy="2090880"/>
+            <a:off x="504000" y="1768680"/>
+            <a:ext cx="4426920" cy="2090880"/>
           </a:xfrm>
           <a:prstGeom prst="rect">
             <a:avLst/>
@@ -3141,8 +3281,8 @@
         </p:nvSpPr>
         <p:spPr>
           <a:xfrm>
-            <a:off x="5152320" y="1769040"/>
-            <a:ext cx="4426560" cy="2090880"/>
+            <a:off x="5152680" y="1768680"/>
+            <a:ext cx="4426920" cy="2090880"/>
           </a:xfrm>
           <a:prstGeom prst="rect">
             <a:avLst/>
@@ -3167,8 +3307,8 @@
         </p:nvSpPr>
         <p:spPr>
           <a:xfrm>
-            <a:off x="5152320" y="4059000"/>
-            <a:ext cx="4426560" cy="2090880"/>
+            <a:off x="5152680" y="4058640"/>
+            <a:ext cx="4426920" cy="2090880"/>
           </a:xfrm>
           <a:prstGeom prst="rect">
             <a:avLst/>
@@ -3193,8 +3333,8 @@
         </p:nvSpPr>
         <p:spPr>
           <a:xfrm>
-            <a:off x="504000" y="4059000"/>
-            <a:ext cx="4426560" cy="2090880"/>
+            <a:off x="504000" y="4058640"/>
+            <a:ext cx="4426920" cy="2090880"/>
           </a:xfrm>
           <a:prstGeom prst="rect">
             <a:avLst/>
@@ -3242,7 +3382,7 @@
         <p:spPr>
           <a:xfrm>
             <a:off x="504000" y="301320"/>
-            <a:ext cx="9071280" cy="1261800"/>
+            <a:ext cx="9072000" cy="1261800"/>
           </a:xfrm>
           <a:prstGeom prst="rect">
             <a:avLst/>
@@ -3268,8 +3408,8 @@
         </p:nvSpPr>
         <p:spPr>
           <a:xfrm>
-            <a:off x="504000" y="1769040"/>
-            <a:ext cx="9071280" cy="4384080"/>
+            <a:off x="504000" y="1768680"/>
+            <a:ext cx="9072000" cy="4384080"/>
           </a:xfrm>
           <a:prstGeom prst="rect">
             <a:avLst/>
@@ -3294,8 +3434,8 @@
         </p:nvSpPr>
         <p:spPr>
           <a:xfrm>
-            <a:off x="504000" y="1769040"/>
-            <a:ext cx="9071280" cy="4384080"/>
+            <a:off x="504000" y="1768680"/>
+            <a:ext cx="9072000" cy="4384080"/>
           </a:xfrm>
           <a:prstGeom prst="rect">
             <a:avLst/>
@@ -3320,7 +3460,7 @@
         </p:blipFill>
         <p:spPr>
           <a:xfrm>
-            <a:off x="2291760" y="1769040"/>
+            <a:off x="2292120" y="1768680"/>
             <a:ext cx="5495400" cy="4384080"/>
           </a:xfrm>
           <a:prstGeom prst="rect">
@@ -3343,7 +3483,7 @@
         </p:blipFill>
         <p:spPr>
           <a:xfrm>
-            <a:off x="2291760" y="1769040"/>
+            <a:off x="2292120" y="1768680"/>
             <a:ext cx="5495400" cy="4384080"/>
           </a:xfrm>
           <a:prstGeom prst="rect">
@@ -3411,7 +3551,7 @@
         <p:spPr>
           <a:xfrm>
             <a:off x="504000" y="301320"/>
-            <a:ext cx="9071280" cy="1261800"/>
+            <a:ext cx="9072000" cy="1261800"/>
           </a:xfrm>
           <a:prstGeom prst="rect">
             <a:avLst/>
@@ -3437,8 +3577,8 @@
         </p:nvSpPr>
         <p:spPr>
           <a:xfrm>
-            <a:off x="504000" y="1769040"/>
-            <a:ext cx="9071280" cy="4384080"/>
+            <a:off x="504000" y="1768680"/>
+            <a:ext cx="9072000" cy="4384080"/>
           </a:xfrm>
           <a:prstGeom prst="rect">
             <a:avLst/>
@@ -3487,7 +3627,7 @@
         <p:spPr>
           <a:xfrm>
             <a:off x="504000" y="301320"/>
-            <a:ext cx="9071280" cy="1261800"/>
+            <a:ext cx="9072000" cy="1261800"/>
           </a:xfrm>
           <a:prstGeom prst="rect">
             <a:avLst/>
@@ -3513,8 +3653,8 @@
         </p:nvSpPr>
         <p:spPr>
           <a:xfrm>
-            <a:off x="504000" y="1769040"/>
-            <a:ext cx="9071280" cy="4384080"/>
+            <a:off x="504000" y="1768680"/>
+            <a:ext cx="9072000" cy="4384080"/>
           </a:xfrm>
           <a:prstGeom prst="rect">
             <a:avLst/>
@@ -3562,7 +3702,7 @@
         <p:spPr>
           <a:xfrm>
             <a:off x="504000" y="301320"/>
-            <a:ext cx="9071280" cy="1261800"/>
+            <a:ext cx="9072000" cy="1261800"/>
           </a:xfrm>
           <a:prstGeom prst="rect">
             <a:avLst/>
@@ -3588,8 +3728,8 @@
         </p:nvSpPr>
         <p:spPr>
           <a:xfrm>
-            <a:off x="504000" y="1769040"/>
-            <a:ext cx="4426560" cy="4384080"/>
+            <a:off x="504000" y="1768680"/>
+            <a:ext cx="4426920" cy="4384080"/>
           </a:xfrm>
           <a:prstGeom prst="rect">
             <a:avLst/>
@@ -3614,8 +3754,8 @@
         </p:nvSpPr>
         <p:spPr>
           <a:xfrm>
-            <a:off x="5152320" y="1769040"/>
-            <a:ext cx="4426560" cy="4384080"/>
+            <a:off x="5152680" y="1768680"/>
+            <a:ext cx="4426920" cy="4384080"/>
           </a:xfrm>
           <a:prstGeom prst="rect">
             <a:avLst/>
@@ -3663,7 +3803,7 @@
         <p:spPr>
           <a:xfrm>
             <a:off x="504000" y="301320"/>
-            <a:ext cx="9071280" cy="1261800"/>
+            <a:ext cx="9072000" cy="1261800"/>
           </a:xfrm>
           <a:prstGeom prst="rect">
             <a:avLst/>
@@ -3712,7 +3852,7 @@
         <p:spPr>
           <a:xfrm>
             <a:off x="504000" y="301320"/>
-            <a:ext cx="9071280" cy="1261800"/>
+            <a:ext cx="9072000" cy="1261800"/>
           </a:xfrm>
           <a:prstGeom prst="rect">
             <a:avLst/>
@@ -3738,8 +3878,8 @@
         </p:nvSpPr>
         <p:spPr>
           <a:xfrm>
-            <a:off x="504000" y="1769040"/>
-            <a:ext cx="9071280" cy="4384080"/>
+            <a:off x="504000" y="1768680"/>
+            <a:ext cx="9072000" cy="4384080"/>
           </a:xfrm>
           <a:prstGeom prst="rect">
             <a:avLst/>
@@ -3787,7 +3927,7 @@
         <p:spPr>
           <a:xfrm>
             <a:off x="504000" y="301320"/>
-            <a:ext cx="9071280" cy="5850360"/>
+            <a:ext cx="9072000" cy="5850360"/>
           </a:xfrm>
           <a:prstGeom prst="rect">
             <a:avLst/>
@@ -3836,7 +3976,7 @@
         <p:spPr>
           <a:xfrm>
             <a:off x="504000" y="301320"/>
-            <a:ext cx="9071280" cy="1261800"/>
+            <a:ext cx="9072000" cy="1261800"/>
           </a:xfrm>
           <a:prstGeom prst="rect">
             <a:avLst/>
@@ -3862,8 +4002,8 @@
         </p:nvSpPr>
         <p:spPr>
           <a:xfrm>
-            <a:off x="504000" y="1769040"/>
-            <a:ext cx="4426560" cy="2090880"/>
+            <a:off x="504000" y="1768680"/>
+            <a:ext cx="4426920" cy="2090880"/>
           </a:xfrm>
           <a:prstGeom prst="rect">
             <a:avLst/>
@@ -3888,8 +4028,8 @@
         </p:nvSpPr>
         <p:spPr>
           <a:xfrm>
-            <a:off x="504000" y="4059000"/>
-            <a:ext cx="4426560" cy="2090880"/>
+            <a:off x="504000" y="4058640"/>
+            <a:ext cx="4426920" cy="2090880"/>
           </a:xfrm>
           <a:prstGeom prst="rect">
             <a:avLst/>
@@ -3914,8 +4054,8 @@
         </p:nvSpPr>
         <p:spPr>
           <a:xfrm>
-            <a:off x="5152320" y="1769040"/>
-            <a:ext cx="4426560" cy="4384080"/>
+            <a:off x="5152680" y="1768680"/>
+            <a:ext cx="4426920" cy="4384080"/>
           </a:xfrm>
           <a:prstGeom prst="rect">
             <a:avLst/>
@@ -3963,7 +4103,7 @@
         <p:spPr>
           <a:xfrm>
             <a:off x="504000" y="301320"/>
-            <a:ext cx="9071280" cy="1261800"/>
+            <a:ext cx="9072000" cy="1261800"/>
           </a:xfrm>
           <a:prstGeom prst="rect">
             <a:avLst/>
@@ -3989,8 +4129,8 @@
         </p:nvSpPr>
         <p:spPr>
           <a:xfrm>
-            <a:off x="504000" y="1769040"/>
-            <a:ext cx="4426560" cy="4384080"/>
+            <a:off x="504000" y="1768680"/>
+            <a:ext cx="4426920" cy="4384080"/>
           </a:xfrm>
           <a:prstGeom prst="rect">
             <a:avLst/>
@@ -4015,8 +4155,8 @@
         </p:nvSpPr>
         <p:spPr>
           <a:xfrm>
-            <a:off x="5152320" y="1769040"/>
-            <a:ext cx="4426560" cy="2090880"/>
+            <a:off x="5152680" y="1768680"/>
+            <a:ext cx="4426920" cy="2090880"/>
           </a:xfrm>
           <a:prstGeom prst="rect">
             <a:avLst/>
@@ -4041,8 +4181,8 @@
         </p:nvSpPr>
         <p:spPr>
           <a:xfrm>
-            <a:off x="5152320" y="4059000"/>
-            <a:ext cx="4426560" cy="2090880"/>
+            <a:off x="5152680" y="4058640"/>
+            <a:ext cx="4426920" cy="2090880"/>
           </a:xfrm>
           <a:prstGeom prst="rect">
             <a:avLst/>
@@ -4090,7 +4230,7 @@
         <p:spPr>
           <a:xfrm>
             <a:off x="504000" y="301320"/>
-            <a:ext cx="9071280" cy="1261800"/>
+            <a:ext cx="9072000" cy="1261800"/>
           </a:xfrm>
           <a:prstGeom prst="rect">
             <a:avLst/>
@@ -4116,8 +4256,8 @@
         </p:nvSpPr>
         <p:spPr>
           <a:xfrm>
-            <a:off x="504000" y="1769040"/>
-            <a:ext cx="4426560" cy="2090880"/>
+            <a:off x="504000" y="1768680"/>
+            <a:ext cx="4426920" cy="2090880"/>
           </a:xfrm>
           <a:prstGeom prst="rect">
             <a:avLst/>
@@ -4142,8 +4282,8 @@
         </p:nvSpPr>
         <p:spPr>
           <a:xfrm>
-            <a:off x="5152320" y="1769040"/>
-            <a:ext cx="4426560" cy="2090880"/>
+            <a:off x="5152680" y="1768680"/>
+            <a:ext cx="4426920" cy="2090880"/>
           </a:xfrm>
           <a:prstGeom prst="rect">
             <a:avLst/>
@@ -4168,8 +4308,8 @@
         </p:nvSpPr>
         <p:spPr>
           <a:xfrm>
-            <a:off x="504000" y="4059000"/>
-            <a:ext cx="9071280" cy="2090880"/>
+            <a:off x="504000" y="4058640"/>
+            <a:ext cx="9072000" cy="2090880"/>
           </a:xfrm>
           <a:prstGeom prst="rect">
             <a:avLst/>
@@ -4217,7 +4357,7 @@
         <p:spPr>
           <a:xfrm>
             <a:off x="504000" y="301320"/>
-            <a:ext cx="9071280" cy="1261800"/>
+            <a:ext cx="9072000" cy="1261800"/>
           </a:xfrm>
           <a:prstGeom prst="rect">
             <a:avLst/>
@@ -4243,8 +4383,8 @@
         </p:nvSpPr>
         <p:spPr>
           <a:xfrm>
-            <a:off x="504000" y="1769040"/>
-            <a:ext cx="9071280" cy="2090880"/>
+            <a:off x="504000" y="1768680"/>
+            <a:ext cx="9072000" cy="2090880"/>
           </a:xfrm>
           <a:prstGeom prst="rect">
             <a:avLst/>
@@ -4269,8 +4409,8 @@
         </p:nvSpPr>
         <p:spPr>
           <a:xfrm>
-            <a:off x="504000" y="4059000"/>
-            <a:ext cx="9071280" cy="2090880"/>
+            <a:off x="504000" y="4058640"/>
+            <a:ext cx="9072000" cy="2090880"/>
           </a:xfrm>
           <a:prstGeom prst="rect">
             <a:avLst/>
@@ -4318,7 +4458,7 @@
         <p:spPr>
           <a:xfrm>
             <a:off x="504000" y="301320"/>
-            <a:ext cx="9071280" cy="1261800"/>
+            <a:ext cx="9072000" cy="1261800"/>
           </a:xfrm>
           <a:prstGeom prst="rect">
             <a:avLst/>
@@ -4344,8 +4484,8 @@
         </p:nvSpPr>
         <p:spPr>
           <a:xfrm>
-            <a:off x="504000" y="1769040"/>
-            <a:ext cx="4426560" cy="2090880"/>
+            <a:off x="504000" y="1768680"/>
+            <a:ext cx="4426920" cy="2090880"/>
           </a:xfrm>
           <a:prstGeom prst="rect">
             <a:avLst/>
@@ -4370,8 +4510,8 @@
         </p:nvSpPr>
         <p:spPr>
           <a:xfrm>
-            <a:off x="5152320" y="1769040"/>
-            <a:ext cx="4426560" cy="2090880"/>
+            <a:off x="5152680" y="1768680"/>
+            <a:ext cx="4426920" cy="2090880"/>
           </a:xfrm>
           <a:prstGeom prst="rect">
             <a:avLst/>
@@ -4396,8 +4536,8 @@
         </p:nvSpPr>
         <p:spPr>
           <a:xfrm>
-            <a:off x="5152320" y="4059000"/>
-            <a:ext cx="4426560" cy="2090880"/>
+            <a:off x="5152680" y="4058640"/>
+            <a:ext cx="4426920" cy="2090880"/>
           </a:xfrm>
           <a:prstGeom prst="rect">
             <a:avLst/>
@@ -4422,8 +4562,8 @@
         </p:nvSpPr>
         <p:spPr>
           <a:xfrm>
-            <a:off x="504000" y="4059000"/>
-            <a:ext cx="4426560" cy="2090880"/>
+            <a:off x="504000" y="4058640"/>
+            <a:ext cx="4426920" cy="2090880"/>
           </a:xfrm>
           <a:prstGeom prst="rect">
             <a:avLst/>
@@ -4471,7 +4611,7 @@
         <p:spPr>
           <a:xfrm>
             <a:off x="504000" y="301320"/>
-            <a:ext cx="9071280" cy="1261800"/>
+            <a:ext cx="9072000" cy="1261800"/>
           </a:xfrm>
           <a:prstGeom prst="rect">
             <a:avLst/>
@@ -4497,8 +4637,8 @@
         </p:nvSpPr>
         <p:spPr>
           <a:xfrm>
-            <a:off x="504000" y="1769040"/>
-            <a:ext cx="9071280" cy="4384080"/>
+            <a:off x="504000" y="1768680"/>
+            <a:ext cx="9072000" cy="4384080"/>
           </a:xfrm>
           <a:prstGeom prst="rect">
             <a:avLst/>
@@ -4523,8 +4663,8 @@
         </p:nvSpPr>
         <p:spPr>
           <a:xfrm>
-            <a:off x="504000" y="1769040"/>
-            <a:ext cx="9071280" cy="4384080"/>
+            <a:off x="504000" y="1768680"/>
+            <a:ext cx="9072000" cy="4384080"/>
           </a:xfrm>
           <a:prstGeom prst="rect">
             <a:avLst/>
@@ -4549,7 +4689,7 @@
         </p:blipFill>
         <p:spPr>
           <a:xfrm>
-            <a:off x="2291760" y="1769040"/>
+            <a:off x="2292120" y="1768680"/>
             <a:ext cx="5495400" cy="4384080"/>
           </a:xfrm>
           <a:prstGeom prst="rect">
@@ -4572,7 +4712,7 @@
         </p:blipFill>
         <p:spPr>
           <a:xfrm>
-            <a:off x="2291760" y="1769040"/>
+            <a:off x="2292120" y="1768680"/>
             <a:ext cx="5495400" cy="4384080"/>
           </a:xfrm>
           <a:prstGeom prst="rect">
@@ -4618,7 +4758,7 @@
         <p:spPr>
           <a:xfrm>
             <a:off x="504000" y="301320"/>
-            <a:ext cx="9071280" cy="1261800"/>
+            <a:ext cx="9072000" cy="1261800"/>
           </a:xfrm>
           <a:prstGeom prst="rect">
             <a:avLst/>
@@ -4644,8 +4784,8 @@
         </p:nvSpPr>
         <p:spPr>
           <a:xfrm>
-            <a:off x="504000" y="1769040"/>
-            <a:ext cx="4426560" cy="4384080"/>
+            <a:off x="504000" y="1768680"/>
+            <a:ext cx="4426920" cy="4384080"/>
           </a:xfrm>
           <a:prstGeom prst="rect">
             <a:avLst/>
@@ -4670,8 +4810,8 @@
         </p:nvSpPr>
         <p:spPr>
           <a:xfrm>
-            <a:off x="5152320" y="1769040"/>
-            <a:ext cx="4426560" cy="4384080"/>
+            <a:off x="5152680" y="1768680"/>
+            <a:ext cx="4426920" cy="4384080"/>
           </a:xfrm>
           <a:prstGeom prst="rect">
             <a:avLst/>
@@ -4719,7 +4859,7 @@
         <p:spPr>
           <a:xfrm>
             <a:off x="504000" y="301320"/>
-            <a:ext cx="9071280" cy="1261800"/>
+            <a:ext cx="9072000" cy="1261800"/>
           </a:xfrm>
           <a:prstGeom prst="rect">
             <a:avLst/>
@@ -4768,7 +4908,7 @@
         <p:spPr>
           <a:xfrm>
             <a:off x="504000" y="301320"/>
-            <a:ext cx="9071280" cy="5850360"/>
+            <a:ext cx="9072000" cy="5850360"/>
           </a:xfrm>
           <a:prstGeom prst="rect">
             <a:avLst/>
@@ -4817,7 +4957,7 @@
         <p:spPr>
           <a:xfrm>
             <a:off x="504000" y="301320"/>
-            <a:ext cx="9071280" cy="1261800"/>
+            <a:ext cx="9072000" cy="1261800"/>
           </a:xfrm>
           <a:prstGeom prst="rect">
             <a:avLst/>
@@ -4843,8 +4983,8 @@
         </p:nvSpPr>
         <p:spPr>
           <a:xfrm>
-            <a:off x="504000" y="1769040"/>
-            <a:ext cx="4426560" cy="2090880"/>
+            <a:off x="504000" y="1768680"/>
+            <a:ext cx="4426920" cy="2090880"/>
           </a:xfrm>
           <a:prstGeom prst="rect">
             <a:avLst/>
@@ -4869,8 +5009,8 @@
         </p:nvSpPr>
         <p:spPr>
           <a:xfrm>
-            <a:off x="504000" y="4059000"/>
-            <a:ext cx="4426560" cy="2090880"/>
+            <a:off x="504000" y="4058640"/>
+            <a:ext cx="4426920" cy="2090880"/>
           </a:xfrm>
           <a:prstGeom prst="rect">
             <a:avLst/>
@@ -4895,8 +5035,8 @@
         </p:nvSpPr>
         <p:spPr>
           <a:xfrm>
-            <a:off x="5152320" y="1769040"/>
-            <a:ext cx="4426560" cy="4384080"/>
+            <a:off x="5152680" y="1768680"/>
+            <a:ext cx="4426920" cy="4384080"/>
           </a:xfrm>
           <a:prstGeom prst="rect">
             <a:avLst/>
@@ -4944,7 +5084,7 @@
         <p:spPr>
           <a:xfrm>
             <a:off x="504000" y="301320"/>
-            <a:ext cx="9071280" cy="1261800"/>
+            <a:ext cx="9072000" cy="1261800"/>
           </a:xfrm>
           <a:prstGeom prst="rect">
             <a:avLst/>
@@ -4970,8 +5110,8 @@
         </p:nvSpPr>
         <p:spPr>
           <a:xfrm>
-            <a:off x="504000" y="1769040"/>
-            <a:ext cx="4426560" cy="4384080"/>
+            <a:off x="504000" y="1768680"/>
+            <a:ext cx="4426920" cy="4384080"/>
           </a:xfrm>
           <a:prstGeom prst="rect">
             <a:avLst/>
@@ -4996,8 +5136,8 @@
         </p:nvSpPr>
         <p:spPr>
           <a:xfrm>
-            <a:off x="5152320" y="1769040"/>
-            <a:ext cx="4426560" cy="2090880"/>
+            <a:off x="5152680" y="1768680"/>
+            <a:ext cx="4426920" cy="2090880"/>
           </a:xfrm>
           <a:prstGeom prst="rect">
             <a:avLst/>
@@ -5022,8 +5162,8 @@
         </p:nvSpPr>
         <p:spPr>
           <a:xfrm>
-            <a:off x="5152320" y="4059000"/>
-            <a:ext cx="4426560" cy="2090880"/>
+            <a:off x="5152680" y="4058640"/>
+            <a:ext cx="4426920" cy="2090880"/>
           </a:xfrm>
           <a:prstGeom prst="rect">
             <a:avLst/>
@@ -5071,7 +5211,7 @@
         <p:spPr>
           <a:xfrm>
             <a:off x="504000" y="301320"/>
-            <a:ext cx="9071280" cy="1261800"/>
+            <a:ext cx="9072000" cy="1261800"/>
           </a:xfrm>
           <a:prstGeom prst="rect">
             <a:avLst/>
@@ -5097,8 +5237,8 @@
         </p:nvSpPr>
         <p:spPr>
           <a:xfrm>
-            <a:off x="504000" y="1769040"/>
-            <a:ext cx="4426560" cy="2090880"/>
+            <a:off x="504000" y="1768680"/>
+            <a:ext cx="4426920" cy="2090880"/>
           </a:xfrm>
           <a:prstGeom prst="rect">
             <a:avLst/>
@@ -5123,8 +5263,8 @@
         </p:nvSpPr>
         <p:spPr>
           <a:xfrm>
-            <a:off x="5152320" y="1769040"/>
-            <a:ext cx="4426560" cy="2090880"/>
+            <a:off x="5152680" y="1768680"/>
+            <a:ext cx="4426920" cy="2090880"/>
           </a:xfrm>
           <a:prstGeom prst="rect">
             <a:avLst/>
@@ -5149,8 +5289,8 @@
         </p:nvSpPr>
         <p:spPr>
           <a:xfrm>
-            <a:off x="504000" y="4059000"/>
-            <a:ext cx="9071280" cy="2090880"/>
+            <a:off x="504000" y="4058640"/>
+            <a:ext cx="9072000" cy="2090880"/>
           </a:xfrm>
           <a:prstGeom prst="rect">
             <a:avLst/>
@@ -5198,7 +5338,7 @@
         <p:spPr>
           <a:xfrm>
             <a:off x="504000" y="301320"/>
-            <a:ext cx="9071280" cy="1261800"/>
+            <a:ext cx="9070920" cy="1261440"/>
           </a:xfrm>
           <a:prstGeom prst="rect">
             <a:avLst/>
@@ -5229,8 +5369,8 @@
         </p:nvSpPr>
         <p:spPr>
           <a:xfrm>
-            <a:off x="504000" y="1768680"/>
-            <a:ext cx="9072000" cy="4384080"/>
+            <a:off x="504000" y="1769040"/>
+            <a:ext cx="9070920" cy="4383720"/>
           </a:xfrm>
           <a:prstGeom prst="rect">
             <a:avLst/>
@@ -5245,7 +5385,7 @@
               <a:buChar char=""/>
             </a:pPr>
             <a:r>
-              <a:rPr lang="en-AU" sz="3200">
+              <a:rPr lang="en-AU">
                 <a:latin typeface="Arial"/>
               </a:rPr>
               <a:t>Click to edit the outline text format</a:t>
@@ -5259,7 +5399,7 @@
               <a:buChar char=""/>
             </a:pPr>
             <a:r>
-              <a:rPr lang="en-AU" sz="2800">
+              <a:rPr lang="en-AU">
                 <a:latin typeface="Arial"/>
               </a:rPr>
               <a:t>Second Outline Level</a:t>
@@ -5273,7 +5413,7 @@
               <a:buChar char=""/>
             </a:pPr>
             <a:r>
-              <a:rPr lang="en-AU" sz="2400">
+              <a:rPr lang="en-AU">
                 <a:latin typeface="Arial"/>
               </a:rPr>
               <a:t>Third Outline Level</a:t>
@@ -5287,7 +5427,7 @@
               <a:buChar char=""/>
             </a:pPr>
             <a:r>
-              <a:rPr lang="en-AU" sz="2000">
+              <a:rPr lang="en-AU">
                 <a:latin typeface="Arial"/>
               </a:rPr>
               <a:t>Fourth Outline Level</a:t>
@@ -5301,7 +5441,7 @@
               <a:buChar char=""/>
             </a:pPr>
             <a:r>
-              <a:rPr lang="en-AU" sz="2000">
+              <a:rPr lang="en-AU">
                 <a:latin typeface="Arial"/>
               </a:rPr>
               <a:t>Fifth Outline Level</a:t>
@@ -5315,7 +5455,7 @@
               <a:buChar char=""/>
             </a:pPr>
             <a:r>
-              <a:rPr lang="en-AU" sz="2000">
+              <a:rPr lang="en-AU">
                 <a:latin typeface="Arial"/>
               </a:rPr>
               <a:t>Sixth Outline Level</a:t>
@@ -5329,7 +5469,7 @@
               <a:buChar char=""/>
             </a:pPr>
             <a:r>
-              <a:rPr lang="en-AU" sz="2000">
+              <a:rPr lang="en-AU">
                 <a:latin typeface="Arial"/>
               </a:rPr>
               <a:t>Seventh Outline Level</a:t>
@@ -5388,7 +5528,7 @@
         <p:spPr>
           <a:xfrm>
             <a:off x="504000" y="301320"/>
-            <a:ext cx="9071280" cy="1261800"/>
+            <a:ext cx="9070920" cy="1261440"/>
           </a:xfrm>
           <a:prstGeom prst="rect">
             <a:avLst/>
@@ -5420,7 +5560,7 @@
         <p:spPr>
           <a:xfrm>
             <a:off x="504000" y="1769040"/>
-            <a:ext cx="9071280" cy="4384080"/>
+            <a:ext cx="9070920" cy="4383720"/>
           </a:xfrm>
           <a:prstGeom prst="rect">
             <a:avLst/>
@@ -5578,7 +5718,7 @@
         <p:spPr>
           <a:xfrm>
             <a:off x="504000" y="301320"/>
-            <a:ext cx="9071280" cy="1261800"/>
+            <a:ext cx="9072000" cy="1261800"/>
           </a:xfrm>
           <a:prstGeom prst="rect">
             <a:avLst/>
@@ -5587,8 +5727,9 @@
         <p:txBody>
           <a:bodyPr lIns="0" rIns="0" tIns="0" bIns="0" anchor="ctr"/>
           <a:p>
-            <a:r>
-              <a:rPr lang="en-AU">
+            <a:pPr algn="ctr"/>
+            <a:r>
+              <a:rPr lang="en-AU" sz="4400">
                 <a:latin typeface="Arial"/>
               </a:rPr>
               <a:t>Click to edit the title text format</a:t>
@@ -5764,7 +5905,7 @@
         <p:spPr>
           <a:xfrm>
             <a:off x="504000" y="151200"/>
-            <a:ext cx="9071280" cy="1562400"/>
+            <a:ext cx="9070920" cy="1562040"/>
           </a:xfrm>
           <a:prstGeom prst="rect">
             <a:avLst/>
@@ -5785,7 +5926,11 @@
           <a:p>
             <a:r>
               <a:rPr lang="en-AU" sz="4400" strike="noStrike">
-                <a:latin typeface="Arial"/>
+                <a:solidFill>
+                  <a:srgbClr val="000000"/>
+                </a:solidFill>
+                <a:latin typeface="Arial"/>
+                <a:ea typeface="DejaVu Sans"/>
               </a:rPr>
               <a:t>GPG for Fun and Profit</a:t>
             </a:r>
@@ -5794,7 +5939,11 @@
           <a:p>
             <a:r>
               <a:rPr lang="en-AU" sz="2200" strike="noStrike">
-                <a:latin typeface="Arial"/>
+                <a:solidFill>
+                  <a:srgbClr val="000000"/>
+                </a:solidFill>
+                <a:latin typeface="Arial"/>
+                <a:ea typeface="DejaVu Sans"/>
               </a:rPr>
               <a:t>(or A Tour Through My Encryption Adventure)</a:t>
             </a:r>
@@ -5819,7 +5968,7 @@
         <p:spPr>
           <a:xfrm>
             <a:off x="504000" y="1769040"/>
-            <a:ext cx="9071280" cy="4384080"/>
+            <a:ext cx="9070920" cy="4383720"/>
           </a:xfrm>
           <a:prstGeom prst="rect">
             <a:avLst/>
@@ -5849,7 +5998,7 @@
         <p:spPr>
           <a:xfrm>
             <a:off x="936000" y="1800000"/>
-            <a:ext cx="8495640" cy="3959640"/>
+            <a:ext cx="8495280" cy="3959280"/>
           </a:xfrm>
           <a:prstGeom prst="rect">
             <a:avLst/>
@@ -5868,7 +6017,7 @@
         <p:spPr>
           <a:xfrm>
             <a:off x="117360" y="3413520"/>
-            <a:ext cx="9995040" cy="2905560"/>
+            <a:ext cx="9994680" cy="2905200"/>
           </a:xfrm>
           <a:prstGeom prst="rect">
             <a:avLst/>
@@ -5916,7 +6065,11 @@
           <a:p>
             <a:r>
               <a:rPr lang="en-AU" strike="noStrike">
-                <a:latin typeface="Arial"/>
+                <a:solidFill>
+                  <a:srgbClr val="000000"/>
+                </a:solidFill>
+                <a:latin typeface="Arial"/>
+                <a:ea typeface="DejaVu Sans"/>
               </a:rPr>
               <a:t>http://www.zdnet.com/article/encryption-is-here-to-stay-secure-messaging-app-telegram-hits-100-million-users/</a:t>
             </a:r>
@@ -5982,7 +6135,7 @@
         <p:spPr>
           <a:xfrm>
             <a:off x="504000" y="301320"/>
-            <a:ext cx="9071280" cy="1261800"/>
+            <a:ext cx="9070920" cy="1261440"/>
           </a:xfrm>
           <a:prstGeom prst="rect">
             <a:avLst/>
@@ -6008,7 +6161,11 @@
             </a:pPr>
             <a:r>
               <a:rPr lang="en-AU" sz="4400" strike="noStrike">
-                <a:latin typeface="Arial"/>
+                <a:solidFill>
+                  <a:srgbClr val="000000"/>
+                </a:solidFill>
+                <a:latin typeface="Arial"/>
+                <a:ea typeface="DejaVu Sans"/>
               </a:rPr>
               <a:t>Demo: Generate a key (2)</a:t>
             </a:r>
@@ -6025,7 +6182,7 @@
         <p:spPr>
           <a:xfrm>
             <a:off x="504000" y="1769040"/>
-            <a:ext cx="9071280" cy="4384080"/>
+            <a:ext cx="9070920" cy="4383720"/>
           </a:xfrm>
           <a:prstGeom prst="rect">
             <a:avLst/>
@@ -6055,7 +6212,7 @@
         <p:spPr>
           <a:xfrm>
             <a:off x="720000" y="1296000"/>
-            <a:ext cx="8927640" cy="5831640"/>
+            <a:ext cx="8927280" cy="5831280"/>
           </a:xfrm>
           <a:prstGeom prst="rect">
             <a:avLst/>
@@ -6070,10 +6227,10 @@
   <p:timing>
     <p:tnLst>
       <p:par>
-        <p:cTn id="17" dur="indefinite" restart="never" nodeType="tmRoot">
+        <p:cTn id="19" dur="indefinite" restart="never" nodeType="tmRoot">
           <p:childTnLst>
             <p:seq>
-              <p:cTn id="18" nodeType="mainSeq"/>
+              <p:cTn id="20" nodeType="mainSeq"/>
               <p:prevCondLst>
                 <p:cond delay="0" evt="onPrev">
                   <p:tgtEl>
@@ -6123,7 +6280,7 @@
         <p:spPr>
           <a:xfrm>
             <a:off x="504000" y="301320"/>
-            <a:ext cx="9071280" cy="1261800"/>
+            <a:ext cx="9070920" cy="1261440"/>
           </a:xfrm>
           <a:prstGeom prst="rect">
             <a:avLst/>
@@ -6149,7 +6306,11 @@
             </a:pPr>
             <a:r>
               <a:rPr lang="en-AU" sz="4400" strike="noStrike">
-                <a:latin typeface="Arial"/>
+                <a:solidFill>
+                  <a:srgbClr val="000000"/>
+                </a:solidFill>
+                <a:latin typeface="Arial"/>
+                <a:ea typeface="DejaVu Sans"/>
               </a:rPr>
               <a:t>Demo: Generate a key (3)</a:t>
             </a:r>
@@ -6166,7 +6327,7 @@
         <p:spPr>
           <a:xfrm>
             <a:off x="504000" y="1769040"/>
-            <a:ext cx="9071280" cy="4384080"/>
+            <a:ext cx="9070920" cy="4383720"/>
           </a:xfrm>
           <a:prstGeom prst="rect">
             <a:avLst/>
@@ -6196,7 +6357,7 @@
         <p:spPr>
           <a:xfrm>
             <a:off x="648000" y="1368000"/>
-            <a:ext cx="8999640" cy="5111640"/>
+            <a:ext cx="8999280" cy="5111280"/>
           </a:xfrm>
           <a:prstGeom prst="rect">
             <a:avLst/>
@@ -6211,10 +6372,10 @@
   <p:timing>
     <p:tnLst>
       <p:par>
-        <p:cTn id="19" dur="indefinite" restart="never" nodeType="tmRoot">
+        <p:cTn id="21" dur="indefinite" restart="never" nodeType="tmRoot">
           <p:childTnLst>
             <p:seq>
-              <p:cTn id="20" nodeType="mainSeq"/>
+              <p:cTn id="22" nodeType="mainSeq"/>
               <p:prevCondLst>
                 <p:cond delay="0" evt="onPrev">
                   <p:tgtEl>
@@ -6264,7 +6425,7 @@
         <p:spPr>
           <a:xfrm>
             <a:off x="504000" y="301320"/>
-            <a:ext cx="9071280" cy="1261800"/>
+            <a:ext cx="9070920" cy="1261440"/>
           </a:xfrm>
           <a:prstGeom prst="rect">
             <a:avLst/>
@@ -6290,7 +6451,11 @@
             </a:pPr>
             <a:r>
               <a:rPr lang="en-AU" sz="4400" strike="noStrike">
-                <a:latin typeface="Arial"/>
+                <a:solidFill>
+                  <a:srgbClr val="000000"/>
+                </a:solidFill>
+                <a:latin typeface="Arial"/>
+                <a:ea typeface="DejaVu Sans"/>
               </a:rPr>
               <a:t>Demo: Generate a key (3)</a:t>
             </a:r>
@@ -6307,7 +6472,7 @@
         <p:spPr>
           <a:xfrm>
             <a:off x="504000" y="1769040"/>
-            <a:ext cx="9071280" cy="4384080"/>
+            <a:ext cx="9070920" cy="4383720"/>
           </a:xfrm>
           <a:prstGeom prst="rect">
             <a:avLst/>
@@ -6337,7 +6502,7 @@
         <p:spPr>
           <a:xfrm>
             <a:off x="1952640" y="1847880"/>
-            <a:ext cx="6323760" cy="3923640"/>
+            <a:ext cx="6323400" cy="3923280"/>
           </a:xfrm>
           <a:prstGeom prst="rect">
             <a:avLst/>
@@ -6360,7 +6525,7 @@
         <p:spPr>
           <a:xfrm>
             <a:off x="576000" y="1368000"/>
-            <a:ext cx="9071640" cy="5615640"/>
+            <a:ext cx="9071280" cy="5615280"/>
           </a:xfrm>
           <a:prstGeom prst="rect">
             <a:avLst/>
@@ -6375,10 +6540,10 @@
   <p:timing>
     <p:tnLst>
       <p:par>
-        <p:cTn id="21" dur="indefinite" restart="never" nodeType="tmRoot">
+        <p:cTn id="23" dur="indefinite" restart="never" nodeType="tmRoot">
           <p:childTnLst>
             <p:seq>
-              <p:cTn id="22" nodeType="mainSeq"/>
+              <p:cTn id="24" nodeType="mainSeq"/>
               <p:prevCondLst>
                 <p:cond delay="0" evt="onPrev">
                   <p:tgtEl>
@@ -6428,7 +6593,7 @@
         <p:spPr>
           <a:xfrm>
             <a:off x="504000" y="301320"/>
-            <a:ext cx="9071280" cy="1261800"/>
+            <a:ext cx="9070920" cy="1261440"/>
           </a:xfrm>
           <a:prstGeom prst="rect">
             <a:avLst/>
@@ -6454,7 +6619,11 @@
             </a:pPr>
             <a:r>
               <a:rPr lang="en-AU" sz="4400" strike="noStrike">
-                <a:latin typeface="Arial"/>
+                <a:solidFill>
+                  <a:srgbClr val="000000"/>
+                </a:solidFill>
+                <a:latin typeface="Arial"/>
+                <a:ea typeface="DejaVu Sans"/>
               </a:rPr>
               <a:t>Demo: After key generation</a:t>
             </a:r>
@@ -6471,7 +6640,7 @@
         <p:spPr>
           <a:xfrm>
             <a:off x="504000" y="1769040"/>
-            <a:ext cx="9071280" cy="4384080"/>
+            <a:ext cx="9070920" cy="4383720"/>
           </a:xfrm>
           <a:prstGeom prst="rect">
             <a:avLst/>
@@ -6501,7 +6670,7 @@
         <p:spPr>
           <a:xfrm>
             <a:off x="648000" y="1368000"/>
-            <a:ext cx="9071640" cy="5615640"/>
+            <a:ext cx="9071280" cy="5615280"/>
           </a:xfrm>
           <a:prstGeom prst="rect">
             <a:avLst/>
@@ -6516,10 +6685,10 @@
   <p:timing>
     <p:tnLst>
       <p:par>
-        <p:cTn id="23" dur="indefinite" restart="never" nodeType="tmRoot">
+        <p:cTn id="25" dur="indefinite" restart="never" nodeType="tmRoot">
           <p:childTnLst>
             <p:seq>
-              <p:cTn id="24" nodeType="mainSeq"/>
+              <p:cTn id="26" nodeType="mainSeq"/>
               <p:prevCondLst>
                 <p:cond delay="0" evt="onPrev">
                   <p:tgtEl>
@@ -6569,7 +6738,7 @@
         <p:spPr>
           <a:xfrm>
             <a:off x="504000" y="301320"/>
-            <a:ext cx="9071280" cy="1261800"/>
+            <a:ext cx="9070920" cy="1261440"/>
           </a:xfrm>
           <a:prstGeom prst="rect">
             <a:avLst/>
@@ -6595,7 +6764,11 @@
             </a:pPr>
             <a:r>
               <a:rPr lang="en-AU" sz="4400" strike="noStrike">
-                <a:latin typeface="Arial"/>
+                <a:solidFill>
+                  <a:srgbClr val="000000"/>
+                </a:solidFill>
+                <a:latin typeface="Arial"/>
+                <a:ea typeface="DejaVu Sans"/>
               </a:rPr>
               <a:t>Demo: List keys</a:t>
             </a:r>
@@ -6612,7 +6785,7 @@
         <p:spPr>
           <a:xfrm>
             <a:off x="504000" y="1769040"/>
-            <a:ext cx="9071280" cy="4384080"/>
+            <a:ext cx="9070920" cy="4383720"/>
           </a:xfrm>
           <a:prstGeom prst="rect">
             <a:avLst/>
@@ -6642,7 +6815,7 @@
         <p:spPr>
           <a:xfrm>
             <a:off x="288000" y="1368000"/>
-            <a:ext cx="9359640" cy="5831640"/>
+            <a:ext cx="9359280" cy="5831280"/>
           </a:xfrm>
           <a:prstGeom prst="rect">
             <a:avLst/>
@@ -6657,10 +6830,10 @@
   <p:timing>
     <p:tnLst>
       <p:par>
-        <p:cTn id="25" dur="indefinite" restart="never" nodeType="tmRoot">
+        <p:cTn id="27" dur="indefinite" restart="never" nodeType="tmRoot">
           <p:childTnLst>
             <p:seq>
-              <p:cTn id="26" nodeType="mainSeq"/>
+              <p:cTn id="28" nodeType="mainSeq"/>
               <p:prevCondLst>
                 <p:cond delay="0" evt="onPrev">
                   <p:tgtEl>
@@ -6710,7 +6883,7 @@
         <p:spPr>
           <a:xfrm>
             <a:off x="504000" y="301320"/>
-            <a:ext cx="9071280" cy="1261800"/>
+            <a:ext cx="9070920" cy="1261440"/>
           </a:xfrm>
           <a:prstGeom prst="rect">
             <a:avLst/>
@@ -6736,7 +6909,11 @@
             </a:pPr>
             <a:r>
               <a:rPr lang="en-AU" sz="4400" strike="noStrike">
-                <a:latin typeface="Arial"/>
+                <a:solidFill>
+                  <a:srgbClr val="000000"/>
+                </a:solidFill>
+                <a:latin typeface="Arial"/>
+                <a:ea typeface="DejaVu Sans"/>
               </a:rPr>
               <a:t>Encrypt a file</a:t>
             </a:r>
@@ -6753,7 +6930,7 @@
         <p:spPr>
           <a:xfrm>
             <a:off x="504000" y="1769040"/>
-            <a:ext cx="9071280" cy="4384080"/>
+            <a:ext cx="9070920" cy="4383720"/>
           </a:xfrm>
           <a:prstGeom prst="rect">
             <a:avLst/>
@@ -6782,7 +6959,11 @@
             </a:pPr>
             <a:r>
               <a:rPr lang="en-AU" sz="3200" strike="noStrike">
-                <a:latin typeface="Arial"/>
+                <a:solidFill>
+                  <a:srgbClr val="000000"/>
+                </a:solidFill>
+                <a:latin typeface="Arial"/>
+                <a:ea typeface="DejaVu Sans"/>
               </a:rPr>
               <a:t>gpg --encrypt file</a:t>
             </a:r>
@@ -6799,7 +6980,11 @@
             </a:pPr>
             <a:r>
               <a:rPr lang="en-AU" sz="3200" strike="noStrike">
-                <a:latin typeface="Arial"/>
+                <a:solidFill>
+                  <a:srgbClr val="000000"/>
+                </a:solidFill>
+                <a:latin typeface="Arial"/>
+                <a:ea typeface="DejaVu Sans"/>
               </a:rPr>
               <a:t>gpg –decrypt file.gpg</a:t>
             </a:r>
@@ -6812,10 +6997,10 @@
   <p:timing>
     <p:tnLst>
       <p:par>
-        <p:cTn id="27" dur="indefinite" restart="never" nodeType="tmRoot">
+        <p:cTn id="29" dur="indefinite" restart="never" nodeType="tmRoot">
           <p:childTnLst>
             <p:seq>
-              <p:cTn id="28" nodeType="mainSeq"/>
+              <p:cTn id="30" nodeType="mainSeq"/>
               <p:prevCondLst>
                 <p:cond delay="0" evt="onPrev">
                   <p:tgtEl>
@@ -6865,7 +7050,7 @@
         <p:spPr>
           <a:xfrm>
             <a:off x="504000" y="301320"/>
-            <a:ext cx="9071280" cy="1261800"/>
+            <a:ext cx="9070920" cy="1261440"/>
           </a:xfrm>
           <a:prstGeom prst="rect">
             <a:avLst/>
@@ -6891,7 +7076,11 @@
             </a:pPr>
             <a:r>
               <a:rPr lang="en-AU" sz="4400" strike="noStrike">
-                <a:latin typeface="Arial"/>
+                <a:solidFill>
+                  <a:srgbClr val="000000"/>
+                </a:solidFill>
+                <a:latin typeface="Arial"/>
+                <a:ea typeface="DejaVu Sans"/>
               </a:rPr>
               <a:t>Demo: Encrypt a file</a:t>
             </a:r>
@@ -6908,7 +7097,7 @@
         <p:spPr>
           <a:xfrm>
             <a:off x="504000" y="1769040"/>
-            <a:ext cx="9071280" cy="4384080"/>
+            <a:ext cx="9070920" cy="4383720"/>
           </a:xfrm>
           <a:prstGeom prst="rect">
             <a:avLst/>
@@ -6938,7 +7127,7 @@
         <p:spPr>
           <a:xfrm>
             <a:off x="504000" y="1296000"/>
-            <a:ext cx="9287640" cy="5831640"/>
+            <a:ext cx="9287280" cy="5831280"/>
           </a:xfrm>
           <a:prstGeom prst="rect">
             <a:avLst/>
@@ -6953,10 +7142,10 @@
   <p:timing>
     <p:tnLst>
       <p:par>
-        <p:cTn id="29" dur="indefinite" restart="never" nodeType="tmRoot">
+        <p:cTn id="31" dur="indefinite" restart="never" nodeType="tmRoot">
           <p:childTnLst>
             <p:seq>
-              <p:cTn id="30" nodeType="mainSeq"/>
+              <p:cTn id="32" nodeType="mainSeq"/>
               <p:prevCondLst>
                 <p:cond delay="0" evt="onPrev">
                   <p:tgtEl>
@@ -7006,7 +7195,7 @@
         <p:spPr>
           <a:xfrm>
             <a:off x="504000" y="301320"/>
-            <a:ext cx="9071280" cy="1261800"/>
+            <a:ext cx="9070920" cy="1261440"/>
           </a:xfrm>
           <a:prstGeom prst="rect">
             <a:avLst/>
@@ -7032,7 +7221,11 @@
             </a:pPr>
             <a:r>
               <a:rPr lang="en-AU" sz="4400" strike="noStrike">
-                <a:latin typeface="Arial"/>
+                <a:solidFill>
+                  <a:srgbClr val="000000"/>
+                </a:solidFill>
+                <a:latin typeface="Arial"/>
+                <a:ea typeface="DejaVu Sans"/>
               </a:rPr>
               <a:t>Demo: Encrypted File</a:t>
             </a:r>
@@ -7049,7 +7242,7 @@
         <p:spPr>
           <a:xfrm>
             <a:off x="504000" y="1769040"/>
-            <a:ext cx="9071280" cy="4384080"/>
+            <a:ext cx="9070920" cy="4383720"/>
           </a:xfrm>
           <a:prstGeom prst="rect">
             <a:avLst/>
@@ -7079,7 +7272,7 @@
         <p:spPr>
           <a:xfrm>
             <a:off x="576000" y="1440000"/>
-            <a:ext cx="9215640" cy="5615640"/>
+            <a:ext cx="9215280" cy="5615280"/>
           </a:xfrm>
           <a:prstGeom prst="rect">
             <a:avLst/>
@@ -7094,10 +7287,10 @@
   <p:timing>
     <p:tnLst>
       <p:par>
-        <p:cTn id="31" dur="indefinite" restart="never" nodeType="tmRoot">
+        <p:cTn id="33" dur="indefinite" restart="never" nodeType="tmRoot">
           <p:childTnLst>
             <p:seq>
-              <p:cTn id="32" nodeType="mainSeq"/>
+              <p:cTn id="34" nodeType="mainSeq"/>
               <p:prevCondLst>
                 <p:cond delay="0" evt="onPrev">
                   <p:tgtEl>
@@ -7147,7 +7340,7 @@
         <p:spPr>
           <a:xfrm>
             <a:off x="504000" y="301320"/>
-            <a:ext cx="9071280" cy="1261800"/>
+            <a:ext cx="9070920" cy="1261440"/>
           </a:xfrm>
           <a:prstGeom prst="rect">
             <a:avLst/>
@@ -7173,7 +7366,11 @@
             </a:pPr>
             <a:r>
               <a:rPr lang="en-AU" sz="4400" strike="noStrike">
-                <a:latin typeface="Arial"/>
+                <a:solidFill>
+                  <a:srgbClr val="000000"/>
+                </a:solidFill>
+                <a:latin typeface="Arial"/>
+                <a:ea typeface="DejaVu Sans"/>
               </a:rPr>
               <a:t>Demo: Decrypt a file</a:t>
             </a:r>
@@ -7190,7 +7387,7 @@
         <p:spPr>
           <a:xfrm>
             <a:off x="504000" y="1769040"/>
-            <a:ext cx="9071280" cy="4384080"/>
+            <a:ext cx="9070920" cy="4383720"/>
           </a:xfrm>
           <a:prstGeom prst="rect">
             <a:avLst/>
@@ -7220,7 +7417,7 @@
         <p:spPr>
           <a:xfrm>
             <a:off x="864000" y="1368000"/>
-            <a:ext cx="8495640" cy="5831640"/>
+            <a:ext cx="8495280" cy="5831280"/>
           </a:xfrm>
           <a:prstGeom prst="rect">
             <a:avLst/>
@@ -7235,10 +7432,10 @@
   <p:timing>
     <p:tnLst>
       <p:par>
-        <p:cTn id="33" dur="indefinite" restart="never" nodeType="tmRoot">
+        <p:cTn id="35" dur="indefinite" restart="never" nodeType="tmRoot">
           <p:childTnLst>
             <p:seq>
-              <p:cTn id="34" nodeType="mainSeq"/>
+              <p:cTn id="36" nodeType="mainSeq"/>
               <p:prevCondLst>
                 <p:cond delay="0" evt="onPrev">
                   <p:tgtEl>
@@ -7288,7 +7485,7 @@
         <p:spPr>
           <a:xfrm>
             <a:off x="504000" y="301320"/>
-            <a:ext cx="9071280" cy="1261800"/>
+            <a:ext cx="9070920" cy="1261440"/>
           </a:xfrm>
           <a:prstGeom prst="rect">
             <a:avLst/>
@@ -7314,7 +7511,11 @@
             </a:pPr>
             <a:r>
               <a:rPr lang="en-AU" sz="4400" strike="noStrike">
-                <a:latin typeface="Arial"/>
+                <a:solidFill>
+                  <a:srgbClr val="000000"/>
+                </a:solidFill>
+                <a:latin typeface="Arial"/>
+                <a:ea typeface="DejaVu Sans"/>
               </a:rPr>
               <a:t>Keyservers</a:t>
             </a:r>
@@ -7331,7 +7532,7 @@
         <p:spPr>
           <a:xfrm>
             <a:off x="504000" y="1769040"/>
-            <a:ext cx="9071280" cy="4384080"/>
+            <a:ext cx="9070920" cy="4383720"/>
           </a:xfrm>
           <a:prstGeom prst="rect">
             <a:avLst/>
@@ -7360,7 +7561,11 @@
             </a:pPr>
             <a:r>
               <a:rPr lang="en-AU" sz="3200" strike="noStrike">
-                <a:latin typeface="Arial"/>
+                <a:solidFill>
+                  <a:srgbClr val="000000"/>
+                </a:solidFill>
+                <a:latin typeface="Arial"/>
+                <a:ea typeface="DejaVu Sans"/>
               </a:rPr>
               <a:t>Communicate your key to other people</a:t>
             </a:r>
@@ -7377,7 +7582,11 @@
             </a:pPr>
             <a:r>
               <a:rPr lang="en-AU" sz="3200" strike="noStrike">
-                <a:latin typeface="Arial"/>
+                <a:solidFill>
+                  <a:srgbClr val="000000"/>
+                </a:solidFill>
+                <a:latin typeface="Arial"/>
+                <a:ea typeface="DejaVu Sans"/>
               </a:rPr>
               <a:t>Get other people's keys</a:t>
             </a:r>
@@ -7394,7 +7603,11 @@
             </a:pPr>
             <a:r>
               <a:rPr lang="en-AU" sz="3200" strike="noStrike">
-                <a:latin typeface="Arial"/>
+                <a:solidFill>
+                  <a:srgbClr val="000000"/>
+                </a:solidFill>
+                <a:latin typeface="Arial"/>
+                <a:ea typeface="DejaVu Sans"/>
               </a:rPr>
               <a:t>To trust you must verify</a:t>
             </a:r>
@@ -7411,7 +7624,11 @@
             </a:pPr>
             <a:r>
               <a:rPr lang="en-AU" sz="2800" strike="noStrike">
-                <a:latin typeface="Arial"/>
+                <a:solidFill>
+                  <a:srgbClr val="000000"/>
+                </a:solidFill>
+                <a:latin typeface="Arial"/>
+                <a:ea typeface="DejaVu Sans"/>
               </a:rPr>
               <a:t>Just check that the key fingerprint matches</a:t>
             </a:r>
@@ -7428,7 +7645,11 @@
             </a:pPr>
             <a:r>
               <a:rPr lang="en-AU" sz="2800" strike="noStrike">
-                <a:latin typeface="Arial"/>
+                <a:solidFill>
+                  <a:srgbClr val="000000"/>
+                </a:solidFill>
+                <a:latin typeface="Arial"/>
+                <a:ea typeface="DejaVu Sans"/>
               </a:rPr>
               <a:t>Only verifies that its the “right key”</a:t>
             </a:r>
@@ -7445,7 +7666,11 @@
             </a:pPr>
             <a:r>
               <a:rPr lang="en-AU" sz="2800" strike="noStrike">
-                <a:latin typeface="Arial"/>
+                <a:solidFill>
+                  <a:srgbClr val="000000"/>
+                </a:solidFill>
+                <a:latin typeface="Arial"/>
+                <a:ea typeface="DejaVu Sans"/>
               </a:rPr>
               <a:t>Only you can know if the </a:t>
             </a:r>
@@ -7458,10 +7683,10 @@
   <p:timing>
     <p:tnLst>
       <p:par>
-        <p:cTn id="35" dur="indefinite" restart="never" nodeType="tmRoot">
+        <p:cTn id="37" dur="indefinite" restart="never" nodeType="tmRoot">
           <p:childTnLst>
             <p:seq>
-              <p:cTn id="36" nodeType="mainSeq"/>
+              <p:cTn id="38" nodeType="mainSeq"/>
               <p:prevCondLst>
                 <p:cond delay="0" evt="onPrev">
                   <p:tgtEl>
@@ -7504,14 +7729,14 @@
       </p:grpSpPr>
       <p:sp>
         <p:nvSpPr>
-          <p:cNvPr id="117" name="TextShape 1"/>
-          <p:cNvSpPr txBox="1"/>
+          <p:cNvPr id="117" name="CustomShape 1"/>
+          <p:cNvSpPr/>
           <p:nvPr/>
         </p:nvSpPr>
         <p:spPr>
           <a:xfrm>
             <a:off x="504000" y="301320"/>
-            <a:ext cx="9071280" cy="1261800"/>
+            <a:ext cx="9070920" cy="1261440"/>
           </a:xfrm>
           <a:prstGeom prst="rect">
             <a:avLst/>
@@ -7521,12 +7746,22 @@
             <a:noFill/>
           </a:ln>
         </p:spPr>
+        <p:style>
+          <a:lnRef idx="0"/>
+          <a:fillRef idx="0"/>
+          <a:effectRef idx="0"/>
+          <a:fontRef idx="minor"/>
+        </p:style>
         <p:txBody>
           <a:bodyPr lIns="0" rIns="0" tIns="0" bIns="0" anchor="ctr"/>
           <a:p>
-            <a:pPr algn="ctr"/>
-            <a:r>
-              <a:rPr lang="en-AU" sz="4400">
+            <a:pPr algn="ctr">
+              <a:lnSpc>
+                <a:spcPct val="100000"/>
+              </a:lnSpc>
+            </a:pPr>
+            <a:r>
+              <a:rPr lang="en-AU" sz="4400" strike="noStrike">
                 <a:latin typeface="Arial"/>
               </a:rPr>
               <a:t>Agenda</a:t>
@@ -7537,14 +7772,14 @@
       </p:sp>
       <p:sp>
         <p:nvSpPr>
-          <p:cNvPr id="118" name="TextShape 2"/>
-          <p:cNvSpPr txBox="1"/>
+          <p:cNvPr id="118" name="CustomShape 2"/>
+          <p:cNvSpPr/>
           <p:nvPr/>
         </p:nvSpPr>
         <p:spPr>
           <a:xfrm>
             <a:off x="504000" y="1768680"/>
-            <a:ext cx="9072000" cy="4384080"/>
+            <a:ext cx="9071640" cy="4383720"/>
           </a:xfrm>
           <a:prstGeom prst="rect">
             <a:avLst/>
@@ -7554,16 +7789,25 @@
             <a:noFill/>
           </a:ln>
         </p:spPr>
+        <p:style>
+          <a:lnRef idx="0"/>
+          <a:fillRef idx="0"/>
+          <a:effectRef idx="0"/>
+          <a:fontRef idx="minor"/>
+        </p:style>
         <p:txBody>
           <a:bodyPr lIns="0" rIns="0" tIns="0" bIns="0"/>
           <a:p>
             <a:pPr>
+              <a:lnSpc>
+                <a:spcPct val="100000"/>
+              </a:lnSpc>
               <a:buSzPct val="45000"/>
               <a:buFont typeface="StarSymbol"/>
-              <a:buChar char=""/>
-            </a:pPr>
-            <a:r>
-              <a:rPr lang="en-AU" sz="3200">
+              <a:buChar char="l"/>
+            </a:pPr>
+            <a:r>
+              <a:rPr lang="en-AU" sz="3200" strike="noStrike">
                 <a:latin typeface="Arial"/>
               </a:rPr>
               <a:t>Encryption and Tools</a:t>
@@ -7572,12 +7816,15 @@
           </a:p>
           <a:p>
             <a:pPr>
+              <a:lnSpc>
+                <a:spcPct val="100000"/>
+              </a:lnSpc>
               <a:buSzPct val="45000"/>
               <a:buFont typeface="StarSymbol"/>
-              <a:buChar char=""/>
-            </a:pPr>
-            <a:r>
-              <a:rPr lang="en-AU" sz="3200">
+              <a:buChar char="l"/>
+            </a:pPr>
+            <a:r>
+              <a:rPr lang="en-AU" sz="3200" strike="noStrike">
                 <a:latin typeface="Arial"/>
               </a:rPr>
               <a:t>Getting Started with GPG</a:t>
@@ -7586,12 +7833,15 @@
           </a:p>
           <a:p>
             <a:pPr>
+              <a:lnSpc>
+                <a:spcPct val="100000"/>
+              </a:lnSpc>
               <a:buSzPct val="45000"/>
               <a:buFont typeface="StarSymbol"/>
-              <a:buChar char=""/>
-            </a:pPr>
-            <a:r>
-              <a:rPr lang="en-AU" sz="3200">
+              <a:buChar char="l"/>
+            </a:pPr>
+            <a:r>
+              <a:rPr lang="en-AU" sz="3200" strike="noStrike">
                 <a:latin typeface="Arial"/>
               </a:rPr>
               <a:t>Encrypting and Decrypting Files</a:t>
@@ -7600,12 +7850,15 @@
           </a:p>
           <a:p>
             <a:pPr>
+              <a:lnSpc>
+                <a:spcPct val="100000"/>
+              </a:lnSpc>
               <a:buSzPct val="45000"/>
               <a:buFont typeface="StarSymbol"/>
-              <a:buChar char=""/>
-            </a:pPr>
-            <a:r>
-              <a:rPr lang="en-AU" sz="3200">
+              <a:buChar char="l"/>
+            </a:pPr>
+            <a:r>
+              <a:rPr lang="en-AU" sz="3200" strike="noStrike">
                 <a:latin typeface="Arial"/>
               </a:rPr>
               <a:t>Sharing Keys</a:t>
@@ -7614,12 +7867,15 @@
           </a:p>
           <a:p>
             <a:pPr>
+              <a:lnSpc>
+                <a:spcPct val="100000"/>
+              </a:lnSpc>
               <a:buSzPct val="45000"/>
               <a:buFont typeface="StarSymbol"/>
-              <a:buChar char=""/>
-            </a:pPr>
-            <a:r>
-              <a:rPr lang="en-AU" sz="3200">
+              <a:buChar char="l"/>
+            </a:pPr>
+            <a:r>
+              <a:rPr lang="en-AU" sz="3200" strike="noStrike">
                 <a:latin typeface="Arial"/>
               </a:rPr>
               <a:t>Trusting Keys</a:t>
@@ -7628,12 +7884,15 @@
           </a:p>
           <a:p>
             <a:pPr>
+              <a:lnSpc>
+                <a:spcPct val="100000"/>
+              </a:lnSpc>
               <a:buSzPct val="45000"/>
               <a:buFont typeface="StarSymbol"/>
-              <a:buChar char=""/>
-            </a:pPr>
-            <a:r>
-              <a:rPr lang="en-AU" sz="3200">
+              <a:buChar char="l"/>
+            </a:pPr>
+            <a:r>
+              <a:rPr lang="en-AU" sz="3200" strike="noStrike">
                 <a:latin typeface="Arial"/>
               </a:rPr>
               <a:t>An Application</a:t>
@@ -7644,6 +7903,33 @@
       </p:sp>
     </p:spTree>
   </p:cSld>
+  <p:timing>
+    <p:tnLst>
+      <p:par>
+        <p:cTn id="3" dur="indefinite" restart="never" nodeType="tmRoot">
+          <p:childTnLst>
+            <p:seq>
+              <p:cTn id="4" nodeType="mainSeq"/>
+              <p:prevCondLst>
+                <p:cond delay="0" evt="onPrev">
+                  <p:tgtEl>
+                    <p:sldTgt/>
+                  </p:tgtEl>
+                </p:cond>
+              </p:prevCondLst>
+              <p:nextCondLst>
+                <p:cond delay="0" evt="onNext">
+                  <p:tgtEl>
+                    <p:sldTgt/>
+                  </p:tgtEl>
+                </p:cond>
+              </p:nextCondLst>
+            </p:seq>
+          </p:childTnLst>
+        </p:cTn>
+      </p:par>
+    </p:tnLst>
+  </p:timing>
 </p:sld>
 </file>
 
@@ -7673,7 +7959,7 @@
         <p:spPr>
           <a:xfrm>
             <a:off x="504000" y="301320"/>
-            <a:ext cx="9071280" cy="1261800"/>
+            <a:ext cx="9070920" cy="1261440"/>
           </a:xfrm>
           <a:prstGeom prst="rect">
             <a:avLst/>
@@ -7699,7 +7985,11 @@
             </a:pPr>
             <a:r>
               <a:rPr lang="en-AU" sz="4400" strike="noStrike">
-                <a:latin typeface="Arial"/>
+                <a:solidFill>
+                  <a:srgbClr val="000000"/>
+                </a:solidFill>
+                <a:latin typeface="Arial"/>
+                <a:ea typeface="DejaVu Sans"/>
               </a:rPr>
               <a:t>Demo: Upload a key</a:t>
             </a:r>
@@ -7716,7 +8006,7 @@
         <p:spPr>
           <a:xfrm>
             <a:off x="504000" y="1769040"/>
-            <a:ext cx="9071280" cy="4384080"/>
+            <a:ext cx="9070920" cy="4383720"/>
           </a:xfrm>
           <a:prstGeom prst="rect">
             <a:avLst/>
@@ -7746,7 +8036,7 @@
         <p:spPr>
           <a:xfrm>
             <a:off x="576000" y="1368000"/>
-            <a:ext cx="9071640" cy="5687640"/>
+            <a:ext cx="9071280" cy="5687280"/>
           </a:xfrm>
           <a:prstGeom prst="rect">
             <a:avLst/>
@@ -7761,10 +8051,10 @@
   <p:timing>
     <p:tnLst>
       <p:par>
-        <p:cTn id="37" dur="indefinite" restart="never" nodeType="tmRoot">
+        <p:cTn id="39" dur="indefinite" restart="never" nodeType="tmRoot">
           <p:childTnLst>
             <p:seq>
-              <p:cTn id="38" nodeType="mainSeq"/>
+              <p:cTn id="40" nodeType="mainSeq"/>
               <p:prevCondLst>
                 <p:cond delay="0" evt="onPrev">
                   <p:tgtEl>
@@ -7814,7 +8104,7 @@
         <p:spPr>
           <a:xfrm>
             <a:off x="504000" y="301320"/>
-            <a:ext cx="9071280" cy="1261800"/>
+            <a:ext cx="9070920" cy="1261440"/>
           </a:xfrm>
           <a:prstGeom prst="rect">
             <a:avLst/>
@@ -7840,7 +8130,11 @@
             </a:pPr>
             <a:r>
               <a:rPr lang="en-AU" sz="4400" strike="noStrike">
-                <a:latin typeface="Arial"/>
+                <a:solidFill>
+                  <a:srgbClr val="000000"/>
+                </a:solidFill>
+                <a:latin typeface="Arial"/>
+                <a:ea typeface="DejaVu Sans"/>
               </a:rPr>
               <a:t>Demo: Download a key</a:t>
             </a:r>
@@ -7857,7 +8151,7 @@
         <p:spPr>
           <a:xfrm>
             <a:off x="504000" y="1769040"/>
-            <a:ext cx="9071280" cy="4384080"/>
+            <a:ext cx="9070920" cy="4383720"/>
           </a:xfrm>
           <a:prstGeom prst="rect">
             <a:avLst/>
@@ -7887,7 +8181,7 @@
         <p:spPr>
           <a:xfrm>
             <a:off x="648000" y="1296000"/>
-            <a:ext cx="9143640" cy="5903640"/>
+            <a:ext cx="9143280" cy="5903280"/>
           </a:xfrm>
           <a:prstGeom prst="rect">
             <a:avLst/>
@@ -7902,10 +8196,10 @@
   <p:timing>
     <p:tnLst>
       <p:par>
-        <p:cTn id="39" dur="indefinite" restart="never" nodeType="tmRoot">
+        <p:cTn id="41" dur="indefinite" restart="never" nodeType="tmRoot">
           <p:childTnLst>
             <p:seq>
-              <p:cTn id="40" nodeType="mainSeq"/>
+              <p:cTn id="42" nodeType="mainSeq"/>
               <p:prevCondLst>
                 <p:cond delay="0" evt="onPrev">
                   <p:tgtEl>
@@ -7955,7 +8249,7 @@
         <p:spPr>
           <a:xfrm>
             <a:off x="504000" y="301320"/>
-            <a:ext cx="9071280" cy="1261800"/>
+            <a:ext cx="9070920" cy="1261440"/>
           </a:xfrm>
           <a:prstGeom prst="rect">
             <a:avLst/>
@@ -7981,7 +8275,11 @@
             </a:pPr>
             <a:r>
               <a:rPr lang="en-AU" sz="4400" strike="noStrike">
-                <a:latin typeface="Arial"/>
+                <a:solidFill>
+                  <a:srgbClr val="000000"/>
+                </a:solidFill>
+                <a:latin typeface="Arial"/>
+                <a:ea typeface="DejaVu Sans"/>
               </a:rPr>
               <a:t>Demo: Verify a key</a:t>
             </a:r>
@@ -7998,7 +8296,7 @@
         <p:spPr>
           <a:xfrm>
             <a:off x="504000" y="1769040"/>
-            <a:ext cx="9071280" cy="4384080"/>
+            <a:ext cx="9070920" cy="4383720"/>
           </a:xfrm>
           <a:prstGeom prst="rect">
             <a:avLst/>
@@ -8028,7 +8326,7 @@
         <p:spPr>
           <a:xfrm>
             <a:off x="432000" y="1368000"/>
-            <a:ext cx="8927640" cy="5327640"/>
+            <a:ext cx="8927280" cy="5327280"/>
           </a:xfrm>
           <a:prstGeom prst="rect">
             <a:avLst/>
@@ -8051,7 +8349,7 @@
         <p:spPr>
           <a:xfrm>
             <a:off x="432000" y="3816000"/>
-            <a:ext cx="9071640" cy="4967640"/>
+            <a:ext cx="9071280" cy="4967280"/>
           </a:xfrm>
           <a:prstGeom prst="rect">
             <a:avLst/>
@@ -8066,10 +8364,10 @@
   <p:timing>
     <p:tnLst>
       <p:par>
-        <p:cTn id="41" dur="indefinite" restart="never" nodeType="tmRoot">
+        <p:cTn id="43" dur="indefinite" restart="never" nodeType="tmRoot">
           <p:childTnLst>
             <p:seq>
-              <p:cTn id="42" nodeType="mainSeq"/>
+              <p:cTn id="44" nodeType="mainSeq"/>
               <p:prevCondLst>
                 <p:cond delay="0" evt="onPrev">
                   <p:tgtEl>
@@ -8119,7 +8417,7 @@
         <p:spPr>
           <a:xfrm>
             <a:off x="504000" y="301320"/>
-            <a:ext cx="9071280" cy="1261800"/>
+            <a:ext cx="9070920" cy="1261440"/>
           </a:xfrm>
           <a:prstGeom prst="rect">
             <a:avLst/>
@@ -8145,7 +8443,11 @@
             </a:pPr>
             <a:r>
               <a:rPr lang="en-AU" sz="4400" strike="noStrike">
-                <a:latin typeface="Arial"/>
+                <a:solidFill>
+                  <a:srgbClr val="000000"/>
+                </a:solidFill>
+                <a:latin typeface="Arial"/>
+                <a:ea typeface="DejaVu Sans"/>
               </a:rPr>
               <a:t>Trusting Keys</a:t>
             </a:r>
@@ -8162,7 +8464,7 @@
         <p:spPr>
           <a:xfrm>
             <a:off x="504000" y="1769040"/>
-            <a:ext cx="9071280" cy="4384080"/>
+            <a:ext cx="9070920" cy="4383720"/>
           </a:xfrm>
           <a:prstGeom prst="rect">
             <a:avLst/>
@@ -8191,7 +8493,11 @@
             </a:pPr>
             <a:r>
               <a:rPr lang="en-AU" sz="3200" strike="noStrike">
-                <a:latin typeface="Arial"/>
+                <a:solidFill>
+                  <a:srgbClr val="000000"/>
+                </a:solidFill>
+                <a:latin typeface="Arial"/>
+                <a:ea typeface="DejaVu Sans"/>
               </a:rPr>
               <a:t>Web of Trust</a:t>
             </a:r>
@@ -8208,7 +8514,11 @@
             </a:pPr>
             <a:r>
               <a:rPr lang="en-AU" sz="3200" strike="noStrike">
-                <a:latin typeface="Arial"/>
+                <a:solidFill>
+                  <a:srgbClr val="000000"/>
+                </a:solidFill>
+                <a:latin typeface="Arial"/>
+                <a:ea typeface="DejaVu Sans"/>
               </a:rPr>
               <a:t>Assign a value to how much you trust the key</a:t>
             </a:r>
@@ -8225,7 +8535,11 @@
             </a:pPr>
             <a:r>
               <a:rPr lang="en-AU" sz="3200" strike="noStrike">
-                <a:latin typeface="Arial"/>
+                <a:solidFill>
+                  <a:srgbClr val="000000"/>
+                </a:solidFill>
+                <a:latin typeface="Arial"/>
+                <a:ea typeface="DejaVu Sans"/>
               </a:rPr>
               <a:t>Sign a key to assert that you vouch for it</a:t>
             </a:r>
@@ -8238,10 +8552,10 @@
   <p:timing>
     <p:tnLst>
       <p:par>
-        <p:cTn id="43" dur="indefinite" restart="never" nodeType="tmRoot">
+        <p:cTn id="45" dur="indefinite" restart="never" nodeType="tmRoot">
           <p:childTnLst>
             <p:seq>
-              <p:cTn id="44" nodeType="mainSeq"/>
+              <p:cTn id="46" nodeType="mainSeq"/>
               <p:prevCondLst>
                 <p:cond delay="0" evt="onPrev">
                   <p:tgtEl>
@@ -8291,7 +8605,7 @@
         <p:spPr>
           <a:xfrm>
             <a:off x="504000" y="301320"/>
-            <a:ext cx="9071280" cy="1261800"/>
+            <a:ext cx="9070920" cy="1261440"/>
           </a:xfrm>
           <a:prstGeom prst="rect">
             <a:avLst/>
@@ -8317,9 +8631,13 @@
             </a:pPr>
             <a:r>
               <a:rPr lang="en-AU" sz="4400" strike="noStrike">
-                <a:latin typeface="Arial"/>
-              </a:rPr>
-              <a:t>Demo: Edit Key</a:t>
+                <a:solidFill>
+                  <a:srgbClr val="000000"/>
+                </a:solidFill>
+                <a:latin typeface="Arial"/>
+                <a:ea typeface="DejaVu Sans"/>
+              </a:rPr>
+              <a:t>Public Key Signing</a:t>
             </a:r>
             <a:endParaRPr/>
           </a:p>
@@ -8334,7 +8652,7 @@
         <p:spPr>
           <a:xfrm>
             <a:off x="504000" y="1769040"/>
-            <a:ext cx="9071280" cy="4384080"/>
+            <a:ext cx="9070920" cy="4383720"/>
           </a:xfrm>
           <a:prstGeom prst="rect">
             <a:avLst/>
@@ -8363,8 +8681,8 @@
         </p:blipFill>
         <p:spPr>
           <a:xfrm>
-            <a:off x="576000" y="1440000"/>
-            <a:ext cx="8999640" cy="5687640"/>
+            <a:off x="1584000" y="1296000"/>
+            <a:ext cx="6696000" cy="5400000"/>
           </a:xfrm>
           <a:prstGeom prst="rect">
             <a:avLst/>
@@ -8374,15 +8692,83 @@
           </a:ln>
         </p:spPr>
       </p:pic>
+      <p:sp>
+        <p:nvSpPr>
+          <p:cNvPr id="188" name="TextShape 3"/>
+          <p:cNvSpPr txBox="1"/>
+          <p:nvPr/>
+        </p:nvSpPr>
+        <p:spPr>
+          <a:xfrm>
+            <a:off x="1804320" y="3600720"/>
+            <a:ext cx="6621120" cy="3417840"/>
+          </a:xfrm>
+          <a:prstGeom prst="rect">
+            <a:avLst/>
+          </a:prstGeom>
+          <a:noFill/>
+          <a:ln>
+            <a:noFill/>
+          </a:ln>
+        </p:spPr>
+        <p:txBody>
+          <a:bodyPr lIns="90000" rIns="90000" tIns="45000" bIns="45000"/>
+          <a:p>
+            <a:endParaRPr/>
+          </a:p>
+          <a:p>
+            <a:endParaRPr/>
+          </a:p>
+          <a:p>
+            <a:endParaRPr/>
+          </a:p>
+          <a:p>
+            <a:endParaRPr/>
+          </a:p>
+          <a:p>
+            <a:endParaRPr/>
+          </a:p>
+          <a:p>
+            <a:endParaRPr/>
+          </a:p>
+          <a:p>
+            <a:endParaRPr/>
+          </a:p>
+          <a:p>
+            <a:endParaRPr/>
+          </a:p>
+          <a:p>
+            <a:endParaRPr/>
+          </a:p>
+          <a:p>
+            <a:endParaRPr/>
+          </a:p>
+          <a:p>
+            <a:endParaRPr/>
+          </a:p>
+          <a:p>
+            <a:endParaRPr/>
+          </a:p>
+          <a:p>
+            <a:r>
+              <a:rPr lang="en-AU">
+                <a:latin typeface="Arial"/>
+              </a:rPr>
+              <a:t>https://commons.wikimedia.org/wiki/File:Public_key_signing.svg</a:t>
+            </a:r>
+            <a:endParaRPr/>
+          </a:p>
+        </p:txBody>
+      </p:sp>
     </p:spTree>
   </p:cSld>
   <p:timing>
     <p:tnLst>
       <p:par>
-        <p:cTn id="45" dur="indefinite" restart="never" nodeType="tmRoot">
+        <p:cTn id="47" dur="indefinite" restart="never" nodeType="tmRoot">
           <p:childTnLst>
             <p:seq>
-              <p:cTn id="46" nodeType="mainSeq"/>
+              <p:cTn id="48" nodeType="mainSeq"/>
               <p:prevCondLst>
                 <p:cond delay="0" evt="onPrev">
                   <p:tgtEl>
@@ -8425,14 +8811,14 @@
       </p:grpSpPr>
       <p:sp>
         <p:nvSpPr>
-          <p:cNvPr id="188" name="CustomShape 1"/>
+          <p:cNvPr id="189" name="CustomShape 1"/>
           <p:cNvSpPr/>
           <p:nvPr/>
         </p:nvSpPr>
         <p:spPr>
           <a:xfrm>
             <a:off x="504000" y="301320"/>
-            <a:ext cx="9071280" cy="1261800"/>
+            <a:ext cx="9070920" cy="1261440"/>
           </a:xfrm>
           <a:prstGeom prst="rect">
             <a:avLst/>
@@ -8458,24 +8844,28 @@
             </a:pPr>
             <a:r>
               <a:rPr lang="en-AU" sz="4400" strike="noStrike">
-                <a:latin typeface="Arial"/>
-              </a:rPr>
-              <a:t>Demo: Trust a key</a:t>
-            </a:r>
-            <a:endParaRPr/>
-          </a:p>
-        </p:txBody>
-      </p:sp>
-      <p:sp>
-        <p:nvSpPr>
-          <p:cNvPr id="189" name="CustomShape 2"/>
+                <a:solidFill>
+                  <a:srgbClr val="000000"/>
+                </a:solidFill>
+                <a:latin typeface="Arial"/>
+                <a:ea typeface="DejaVu Sans"/>
+              </a:rPr>
+              <a:t>Demo: Edit Key</a:t>
+            </a:r>
+            <a:endParaRPr/>
+          </a:p>
+        </p:txBody>
+      </p:sp>
+      <p:sp>
+        <p:nvSpPr>
+          <p:cNvPr id="190" name="CustomShape 2"/>
           <p:cNvSpPr/>
           <p:nvPr/>
         </p:nvSpPr>
         <p:spPr>
           <a:xfrm>
             <a:off x="504000" y="1769040"/>
-            <a:ext cx="9071280" cy="4384080"/>
+            <a:ext cx="9070920" cy="4383720"/>
           </a:xfrm>
           <a:prstGeom prst="rect">
             <a:avLst/>
@@ -8494,7 +8884,7 @@
       </p:sp>
       <p:pic>
         <p:nvPicPr>
-          <p:cNvPr id="190" name="" descr=""/>
+          <p:cNvPr id="191" name="" descr=""/>
           <p:cNvPicPr/>
           <p:nvPr/>
         </p:nvPicPr>
@@ -8504,8 +8894,8 @@
         </p:blipFill>
         <p:spPr>
           <a:xfrm>
-            <a:off x="504000" y="1563480"/>
-            <a:ext cx="9359640" cy="5708160"/>
+            <a:off x="576000" y="1440000"/>
+            <a:ext cx="8999280" cy="5687280"/>
           </a:xfrm>
           <a:prstGeom prst="rect">
             <a:avLst/>
@@ -8520,10 +8910,10 @@
   <p:timing>
     <p:tnLst>
       <p:par>
-        <p:cTn id="47" dur="indefinite" restart="never" nodeType="tmRoot">
+        <p:cTn id="49" dur="indefinite" restart="never" nodeType="tmRoot">
           <p:childTnLst>
             <p:seq>
-              <p:cTn id="48" nodeType="mainSeq"/>
+              <p:cTn id="50" nodeType="mainSeq"/>
               <p:prevCondLst>
                 <p:cond delay="0" evt="onPrev">
                   <p:tgtEl>
@@ -8566,14 +8956,14 @@
       </p:grpSpPr>
       <p:sp>
         <p:nvSpPr>
-          <p:cNvPr id="191" name="CustomShape 1"/>
+          <p:cNvPr id="192" name="CustomShape 1"/>
           <p:cNvSpPr/>
           <p:nvPr/>
         </p:nvSpPr>
         <p:spPr>
           <a:xfrm>
             <a:off x="504000" y="301320"/>
-            <a:ext cx="9071280" cy="1261800"/>
+            <a:ext cx="9070920" cy="1261440"/>
           </a:xfrm>
           <a:prstGeom prst="rect">
             <a:avLst/>
@@ -8599,24 +8989,28 @@
             </a:pPr>
             <a:r>
               <a:rPr lang="en-AU" sz="4400" strike="noStrike">
-                <a:latin typeface="Arial"/>
-              </a:rPr>
-              <a:t>Demo: Sign a key</a:t>
-            </a:r>
-            <a:endParaRPr/>
-          </a:p>
-        </p:txBody>
-      </p:sp>
-      <p:sp>
-        <p:nvSpPr>
-          <p:cNvPr id="192" name="CustomShape 2"/>
+                <a:solidFill>
+                  <a:srgbClr val="000000"/>
+                </a:solidFill>
+                <a:latin typeface="Arial"/>
+                <a:ea typeface="DejaVu Sans"/>
+              </a:rPr>
+              <a:t>Demo: Trust a key</a:t>
+            </a:r>
+            <a:endParaRPr/>
+          </a:p>
+        </p:txBody>
+      </p:sp>
+      <p:sp>
+        <p:nvSpPr>
+          <p:cNvPr id="193" name="CustomShape 2"/>
           <p:cNvSpPr/>
           <p:nvPr/>
         </p:nvSpPr>
         <p:spPr>
           <a:xfrm>
             <a:off x="504000" y="1769040"/>
-            <a:ext cx="9071280" cy="4384080"/>
+            <a:ext cx="9070920" cy="4383720"/>
           </a:xfrm>
           <a:prstGeom prst="rect">
             <a:avLst/>
@@ -8635,7 +9029,7 @@
       </p:sp>
       <p:pic>
         <p:nvPicPr>
-          <p:cNvPr id="193" name="" descr=""/>
+          <p:cNvPr id="194" name="" descr=""/>
           <p:cNvPicPr/>
           <p:nvPr/>
         </p:nvPicPr>
@@ -8645,8 +9039,8 @@
         </p:blipFill>
         <p:spPr>
           <a:xfrm>
-            <a:off x="504000" y="1368000"/>
-            <a:ext cx="9215640" cy="5759640"/>
+            <a:off x="504000" y="1563480"/>
+            <a:ext cx="9359280" cy="5707800"/>
           </a:xfrm>
           <a:prstGeom prst="rect">
             <a:avLst/>
@@ -8661,10 +9055,10 @@
   <p:timing>
     <p:tnLst>
       <p:par>
-        <p:cTn id="49" dur="indefinite" restart="never" nodeType="tmRoot">
+        <p:cTn id="51" dur="indefinite" restart="never" nodeType="tmRoot">
           <p:childTnLst>
             <p:seq>
-              <p:cTn id="50" nodeType="mainSeq"/>
+              <p:cTn id="52" nodeType="mainSeq"/>
               <p:prevCondLst>
                 <p:cond delay="0" evt="onPrev">
                   <p:tgtEl>
@@ -8707,14 +9101,14 @@
       </p:grpSpPr>
       <p:sp>
         <p:nvSpPr>
-          <p:cNvPr id="194" name="CustomShape 1"/>
+          <p:cNvPr id="195" name="CustomShape 1"/>
           <p:cNvSpPr/>
           <p:nvPr/>
         </p:nvSpPr>
         <p:spPr>
           <a:xfrm>
             <a:off x="504000" y="301320"/>
-            <a:ext cx="9071280" cy="1261800"/>
+            <a:ext cx="9070920" cy="1261440"/>
           </a:xfrm>
           <a:prstGeom prst="rect">
             <a:avLst/>
@@ -8740,24 +9134,28 @@
             </a:pPr>
             <a:r>
               <a:rPr lang="en-AU" sz="4400" strike="noStrike">
-                <a:latin typeface="Arial"/>
-              </a:rPr>
-              <a:t>Long Key IDs</a:t>
-            </a:r>
-            <a:endParaRPr/>
-          </a:p>
-        </p:txBody>
-      </p:sp>
-      <p:sp>
-        <p:nvSpPr>
-          <p:cNvPr id="195" name="CustomShape 2"/>
+                <a:solidFill>
+                  <a:srgbClr val="000000"/>
+                </a:solidFill>
+                <a:latin typeface="Arial"/>
+                <a:ea typeface="DejaVu Sans"/>
+              </a:rPr>
+              <a:t>Demo: Sign a key</a:t>
+            </a:r>
+            <a:endParaRPr/>
+          </a:p>
+        </p:txBody>
+      </p:sp>
+      <p:sp>
+        <p:nvSpPr>
+          <p:cNvPr id="196" name="CustomShape 2"/>
           <p:cNvSpPr/>
           <p:nvPr/>
         </p:nvSpPr>
         <p:spPr>
           <a:xfrm>
             <a:off x="504000" y="1769040"/>
-            <a:ext cx="9071280" cy="4384080"/>
+            <a:ext cx="9070920" cy="4383720"/>
           </a:xfrm>
           <a:prstGeom prst="rect">
             <a:avLst/>
@@ -8773,104 +9171,39 @@
           <a:effectRef idx="0"/>
           <a:fontRef idx="minor"/>
         </p:style>
-        <p:txBody>
-          <a:bodyPr lIns="0" rIns="0" tIns="0" bIns="0"/>
-          <a:p>
-            <a:pPr>
-              <a:lnSpc>
-                <a:spcPct val="100000"/>
-              </a:lnSpc>
-              <a:buSzPct val="45000"/>
-              <a:buFont typeface="StarSymbol"/>
-              <a:buChar char="l"/>
-            </a:pPr>
-            <a:r>
-              <a:rPr lang="en-AU" sz="3200" strike="noStrike">
-                <a:latin typeface="Arial"/>
-              </a:rPr>
-              <a:t>The key IDs shown in the listings are shortened versions of the real ones</a:t>
-            </a:r>
-            <a:endParaRPr/>
-          </a:p>
-          <a:p>
-            <a:pPr>
-              <a:lnSpc>
-                <a:spcPct val="100000"/>
-              </a:lnSpc>
-              <a:buSzPct val="45000"/>
-              <a:buFont typeface="StarSymbol"/>
-              <a:buChar char="l"/>
-            </a:pPr>
-            <a:r>
-              <a:rPr lang="en-AU" sz="3200" strike="noStrike">
-                <a:latin typeface="Arial"/>
-              </a:rPr>
-              <a:t>Why does this matter?</a:t>
-            </a:r>
-            <a:endParaRPr/>
-          </a:p>
-          <a:p>
-            <a:pPr lvl="1">
-              <a:lnSpc>
-                <a:spcPct val="100000"/>
-              </a:lnSpc>
-              <a:buSzPct val="75000"/>
-              <a:buFont typeface="StarSymbol"/>
-              <a:buChar char="l"/>
-            </a:pPr>
-            <a:r>
-              <a:rPr lang="en-AU" sz="2800" strike="noStrike">
-                <a:latin typeface="Arial"/>
-              </a:rPr>
-              <a:t>There are attacks possible</a:t>
-            </a:r>
-            <a:endParaRPr/>
-          </a:p>
-          <a:p>
-            <a:pPr>
-              <a:lnSpc>
-                <a:spcPct val="100000"/>
-              </a:lnSpc>
-              <a:buSzPct val="45000"/>
-              <a:buFont typeface="StarSymbol"/>
-              <a:buChar char="l"/>
-            </a:pPr>
-            <a:r>
-              <a:rPr lang="en-AU" sz="3200" strike="noStrike">
-                <a:latin typeface="Arial"/>
-              </a:rPr>
-              <a:t>So use “--keyid-format long”</a:t>
-            </a:r>
-            <a:endParaRPr/>
-          </a:p>
-          <a:p>
-            <a:pPr lvl="1">
-              <a:lnSpc>
-                <a:spcPct val="100000"/>
-              </a:lnSpc>
-              <a:buSzPct val="75000"/>
-              <a:buFont typeface="StarSymbol"/>
-              <a:buChar char="l"/>
-            </a:pPr>
-            <a:r>
-              <a:rPr lang="en-AU" sz="2800" strike="noStrike">
-                <a:latin typeface="Arial"/>
-              </a:rPr>
-              <a:t>You can put it into the config file</a:t>
-            </a:r>
-            <a:endParaRPr/>
-          </a:p>
-        </p:txBody>
-      </p:sp>
+      </p:sp>
+      <p:pic>
+        <p:nvPicPr>
+          <p:cNvPr id="197" name="" descr=""/>
+          <p:cNvPicPr/>
+          <p:nvPr/>
+        </p:nvPicPr>
+        <p:blipFill>
+          <a:blip r:embed="rId1"/>
+          <a:stretch/>
+        </p:blipFill>
+        <p:spPr>
+          <a:xfrm>
+            <a:off x="504000" y="1368000"/>
+            <a:ext cx="9215280" cy="5759280"/>
+          </a:xfrm>
+          <a:prstGeom prst="rect">
+            <a:avLst/>
+          </a:prstGeom>
+          <a:ln>
+            <a:noFill/>
+          </a:ln>
+        </p:spPr>
+      </p:pic>
     </p:spTree>
   </p:cSld>
   <p:timing>
     <p:tnLst>
       <p:par>
-        <p:cTn id="51" dur="indefinite" restart="never" nodeType="tmRoot">
+        <p:cTn id="53" dur="indefinite" restart="never" nodeType="tmRoot">
           <p:childTnLst>
             <p:seq>
-              <p:cTn id="52" nodeType="mainSeq"/>
+              <p:cTn id="54" nodeType="mainSeq"/>
               <p:prevCondLst>
                 <p:cond delay="0" evt="onPrev">
                   <p:tgtEl>
@@ -8913,14 +9246,14 @@
       </p:grpSpPr>
       <p:sp>
         <p:nvSpPr>
-          <p:cNvPr id="196" name="CustomShape 1"/>
+          <p:cNvPr id="198" name="CustomShape 1"/>
           <p:cNvSpPr/>
           <p:nvPr/>
         </p:nvSpPr>
         <p:spPr>
           <a:xfrm>
             <a:off x="504000" y="301320"/>
-            <a:ext cx="9071280" cy="1261800"/>
+            <a:ext cx="9070920" cy="1261440"/>
           </a:xfrm>
           <a:prstGeom prst="rect">
             <a:avLst/>
@@ -8946,24 +9279,28 @@
             </a:pPr>
             <a:r>
               <a:rPr lang="en-AU" sz="4400" strike="noStrike">
-                <a:latin typeface="Arial"/>
-              </a:rPr>
-              <a:t>Demo: Long Key ID</a:t>
-            </a:r>
-            <a:endParaRPr/>
-          </a:p>
-        </p:txBody>
-      </p:sp>
-      <p:sp>
-        <p:nvSpPr>
-          <p:cNvPr id="197" name="CustomShape 2"/>
+                <a:solidFill>
+                  <a:srgbClr val="000000"/>
+                </a:solidFill>
+                <a:latin typeface="Arial"/>
+                <a:ea typeface="DejaVu Sans"/>
+              </a:rPr>
+              <a:t>Long Key IDs</a:t>
+            </a:r>
+            <a:endParaRPr/>
+          </a:p>
+        </p:txBody>
+      </p:sp>
+      <p:sp>
+        <p:nvSpPr>
+          <p:cNvPr id="199" name="CustomShape 2"/>
           <p:cNvSpPr/>
           <p:nvPr/>
         </p:nvSpPr>
         <p:spPr>
           <a:xfrm>
             <a:off x="504000" y="1769040"/>
-            <a:ext cx="9071280" cy="4384080"/>
+            <a:ext cx="9070920" cy="4383720"/>
           </a:xfrm>
           <a:prstGeom prst="rect">
             <a:avLst/>
@@ -8979,39 +9316,124 @@
           <a:effectRef idx="0"/>
           <a:fontRef idx="minor"/>
         </p:style>
-      </p:sp>
-      <p:pic>
-        <p:nvPicPr>
-          <p:cNvPr id="198" name="" descr=""/>
-          <p:cNvPicPr/>
-          <p:nvPr/>
-        </p:nvPicPr>
-        <p:blipFill>
-          <a:blip r:embed="rId1"/>
-          <a:stretch/>
-        </p:blipFill>
-        <p:spPr>
-          <a:xfrm>
-            <a:off x="576000" y="1296000"/>
-            <a:ext cx="9287640" cy="5471640"/>
-          </a:xfrm>
-          <a:prstGeom prst="rect">
-            <a:avLst/>
-          </a:prstGeom>
-          <a:ln>
-            <a:noFill/>
-          </a:ln>
-        </p:spPr>
-      </p:pic>
+        <p:txBody>
+          <a:bodyPr lIns="0" rIns="0" tIns="0" bIns="0"/>
+          <a:p>
+            <a:pPr>
+              <a:lnSpc>
+                <a:spcPct val="100000"/>
+              </a:lnSpc>
+              <a:buSzPct val="45000"/>
+              <a:buFont typeface="StarSymbol"/>
+              <a:buChar char="l"/>
+            </a:pPr>
+            <a:r>
+              <a:rPr lang="en-AU" sz="3200" strike="noStrike">
+                <a:solidFill>
+                  <a:srgbClr val="000000"/>
+                </a:solidFill>
+                <a:latin typeface="Arial"/>
+                <a:ea typeface="DejaVu Sans"/>
+              </a:rPr>
+              <a:t>The key IDs shown in the listings are shortened versions of the real ones</a:t>
+            </a:r>
+            <a:endParaRPr/>
+          </a:p>
+          <a:p>
+            <a:pPr>
+              <a:lnSpc>
+                <a:spcPct val="100000"/>
+              </a:lnSpc>
+              <a:buSzPct val="45000"/>
+              <a:buFont typeface="StarSymbol"/>
+              <a:buChar char="l"/>
+            </a:pPr>
+            <a:r>
+              <a:rPr lang="en-AU" sz="3200" strike="noStrike">
+                <a:solidFill>
+                  <a:srgbClr val="000000"/>
+                </a:solidFill>
+                <a:latin typeface="Arial"/>
+                <a:ea typeface="DejaVu Sans"/>
+              </a:rPr>
+              <a:t>Why does this matter?</a:t>
+            </a:r>
+            <a:endParaRPr/>
+          </a:p>
+          <a:p>
+            <a:pPr lvl="1">
+              <a:lnSpc>
+                <a:spcPct val="100000"/>
+              </a:lnSpc>
+              <a:buSzPct val="75000"/>
+              <a:buFont typeface="StarSymbol"/>
+              <a:buChar char="l"/>
+            </a:pPr>
+            <a:r>
+              <a:rPr lang="en-AU" sz="2800" strike="noStrike">
+                <a:solidFill>
+                  <a:srgbClr val="000000"/>
+                </a:solidFill>
+                <a:latin typeface="Arial"/>
+                <a:ea typeface="DejaVu Sans"/>
+              </a:rPr>
+              <a:t>There are attacks possible</a:t>
+            </a:r>
+            <a:endParaRPr/>
+          </a:p>
+          <a:p>
+            <a:pPr>
+              <a:lnSpc>
+                <a:spcPct val="100000"/>
+              </a:lnSpc>
+              <a:buSzPct val="45000"/>
+              <a:buFont typeface="StarSymbol"/>
+              <a:buChar char="l"/>
+            </a:pPr>
+            <a:r>
+              <a:rPr lang="en-AU" sz="3200" strike="noStrike">
+                <a:solidFill>
+                  <a:srgbClr val="000000"/>
+                </a:solidFill>
+                <a:latin typeface="Arial"/>
+                <a:ea typeface="DejaVu Sans"/>
+              </a:rPr>
+              <a:t>So use “--keyid-format long”</a:t>
+            </a:r>
+            <a:endParaRPr/>
+          </a:p>
+          <a:p>
+            <a:pPr lvl="1">
+              <a:lnSpc>
+                <a:spcPct val="100000"/>
+              </a:lnSpc>
+              <a:buSzPct val="75000"/>
+              <a:buFont typeface="StarSymbol"/>
+              <a:buChar char="l"/>
+            </a:pPr>
+            <a:r>
+              <a:rPr lang="en-AU" sz="2800" strike="noStrike">
+                <a:solidFill>
+                  <a:srgbClr val="000000"/>
+                </a:solidFill>
+                <a:latin typeface="Arial"/>
+                <a:ea typeface="DejaVu Sans"/>
+              </a:rPr>
+              <a:t>You can put it into the config file</a:t>
+            </a:r>
+            <a:endParaRPr/>
+          </a:p>
+        </p:txBody>
+      </p:sp>
     </p:spTree>
   </p:cSld>
   <p:timing>
     <p:tnLst>
       <p:par>
-        <p:cTn id="53" dur="indefinite" restart="never" nodeType="tmRoot">
+        <p:cTn id="55" dur="indefinite" restart="never" nodeType="tmRoot">
           <p:childTnLst>
             <p:seq>
-              <p:cTn id="54" nodeType="mainSeq"/>
+              <p:cTn id="56" nodeType="mainSeq"/>
               <p:prevCondLst>
                 <p:cond delay="0" evt="onPrev">
                   <p:tgtEl>
@@ -9054,14 +9476,14 @@
       </p:grpSpPr>
       <p:sp>
         <p:nvSpPr>
-          <p:cNvPr id="199" name="CustomShape 1"/>
+          <p:cNvPr id="200" name="CustomShape 1"/>
           <p:cNvSpPr/>
           <p:nvPr/>
         </p:nvSpPr>
         <p:spPr>
           <a:xfrm>
             <a:off x="504000" y="301320"/>
-            <a:ext cx="9071280" cy="1261800"/>
+            <a:ext cx="9070920" cy="1261440"/>
           </a:xfrm>
           <a:prstGeom prst="rect">
             <a:avLst/>
@@ -9087,24 +9509,28 @@
             </a:pPr>
             <a:r>
               <a:rPr lang="en-AU" sz="4400" strike="noStrike">
-                <a:latin typeface="Arial"/>
-              </a:rPr>
-              <a:t>Application: Verify your debian</a:t>
-            </a:r>
-            <a:endParaRPr/>
-          </a:p>
-        </p:txBody>
-      </p:sp>
-      <p:sp>
-        <p:nvSpPr>
-          <p:cNvPr id="200" name="CustomShape 2"/>
+                <a:solidFill>
+                  <a:srgbClr val="000000"/>
+                </a:solidFill>
+                <a:latin typeface="Arial"/>
+                <a:ea typeface="DejaVu Sans"/>
+              </a:rPr>
+              <a:t>Demo: Long Key ID</a:t>
+            </a:r>
+            <a:endParaRPr/>
+          </a:p>
+        </p:txBody>
+      </p:sp>
+      <p:sp>
+        <p:nvSpPr>
+          <p:cNvPr id="201" name="CustomShape 2"/>
           <p:cNvSpPr/>
           <p:nvPr/>
         </p:nvSpPr>
         <p:spPr>
           <a:xfrm>
             <a:off x="504000" y="1769040"/>
-            <a:ext cx="9071280" cy="4384080"/>
+            <a:ext cx="9070920" cy="4383720"/>
           </a:xfrm>
           <a:prstGeom prst="rect">
             <a:avLst/>
@@ -9120,172 +9546,39 @@
           <a:effectRef idx="0"/>
           <a:fontRef idx="minor"/>
         </p:style>
-        <p:txBody>
-          <a:bodyPr lIns="0" rIns="0" tIns="0" bIns="0"/>
-          <a:p>
-            <a:pPr>
-              <a:lnSpc>
-                <a:spcPct val="100000"/>
-              </a:lnSpc>
-              <a:buSzPct val="45000"/>
-              <a:buFont typeface="StarSymbol"/>
-              <a:buChar char="l"/>
-            </a:pPr>
-            <a:r>
-              <a:rPr lang="en-AU" sz="3200" strike="noStrike">
-                <a:latin typeface="Arial"/>
-              </a:rPr>
-              <a:t>Download an ISO </a:t>
-            </a:r>
-            <a:endParaRPr/>
-          </a:p>
-          <a:p>
-            <a:pPr lvl="1">
-              <a:lnSpc>
-                <a:spcPct val="100000"/>
-              </a:lnSpc>
-              <a:buSzPct val="75000"/>
-              <a:buFont typeface="StarSymbol"/>
-              <a:buChar char="l"/>
-            </a:pPr>
-            <a:r>
-              <a:rPr lang="en-AU" sz="2800" strike="noStrike">
-                <a:latin typeface="Arial"/>
-              </a:rPr>
-              <a:t>But has it been tampered with?</a:t>
-            </a:r>
-            <a:endParaRPr/>
-          </a:p>
-          <a:p>
-            <a:pPr>
-              <a:lnSpc>
-                <a:spcPct val="100000"/>
-              </a:lnSpc>
-              <a:buSzPct val="45000"/>
-              <a:buFont typeface="StarSymbol"/>
-              <a:buChar char="l"/>
-            </a:pPr>
-            <a:r>
-              <a:rPr lang="en-AU" sz="3200" strike="noStrike">
-                <a:latin typeface="Arial"/>
-              </a:rPr>
-              <a:t>Download a MD5/SHA1/SHA256 sum</a:t>
-            </a:r>
-            <a:endParaRPr/>
-          </a:p>
-          <a:p>
-            <a:pPr lvl="1">
-              <a:lnSpc>
-                <a:spcPct val="100000"/>
-              </a:lnSpc>
-              <a:buSzPct val="75000"/>
-              <a:buFont typeface="StarSymbol"/>
-              <a:buChar char="l"/>
-            </a:pPr>
-            <a:r>
-              <a:rPr lang="en-AU" sz="2800" strike="noStrike">
-                <a:latin typeface="Arial"/>
-              </a:rPr>
-              <a:t>But has the sum been tampered with?</a:t>
-            </a:r>
-            <a:endParaRPr/>
-          </a:p>
-          <a:p>
-            <a:pPr>
-              <a:lnSpc>
-                <a:spcPct val="100000"/>
-              </a:lnSpc>
-              <a:buSzPct val="45000"/>
-              <a:buFont typeface="StarSymbol"/>
-              <a:buChar char="l"/>
-            </a:pPr>
-            <a:r>
-              <a:rPr lang="en-AU" sz="3200" strike="noStrike">
-                <a:latin typeface="Arial"/>
-              </a:rPr>
-              <a:t>Debian signs the sum files</a:t>
-            </a:r>
-            <a:endParaRPr/>
-          </a:p>
-          <a:p>
-            <a:pPr lvl="1">
-              <a:lnSpc>
-                <a:spcPct val="100000"/>
-              </a:lnSpc>
-              <a:buSzPct val="75000"/>
-              <a:buFont typeface="StarSymbol"/>
-              <a:buChar char="l"/>
-            </a:pPr>
-            <a:r>
-              <a:rPr lang="en-AU" sz="2800" strike="noStrike">
-                <a:latin typeface="Arial"/>
-              </a:rPr>
-              <a:t>Use gpg to verify the signing</a:t>
-            </a:r>
-            <a:endParaRPr/>
-          </a:p>
-          <a:p>
-            <a:pPr lvl="1">
-              <a:lnSpc>
-                <a:spcPct val="100000"/>
-              </a:lnSpc>
-              <a:buSzPct val="75000"/>
-              <a:buFont typeface="StarSymbol"/>
-              <a:buChar char="l"/>
-            </a:pPr>
-            <a:r>
-              <a:rPr lang="en-AU" sz="2800" strike="noStrike">
-                <a:latin typeface="Arial"/>
-              </a:rPr>
-              <a:t>Need to get the debian signing key</a:t>
-            </a:r>
-            <a:endParaRPr/>
-          </a:p>
-          <a:p>
-            <a:pPr>
-              <a:lnSpc>
-                <a:spcPct val="100000"/>
-              </a:lnSpc>
-              <a:buSzPct val="45000"/>
-              <a:buFont typeface="StarSymbol"/>
-              <a:buChar char="l"/>
-            </a:pPr>
-            <a:r>
-              <a:rPr lang="en-AU" sz="3200" strike="noStrike">
-                <a:latin typeface="Arial"/>
-              </a:rPr>
-              <a:t>Now you know its safe</a:t>
-            </a:r>
-            <a:endParaRPr/>
-          </a:p>
-          <a:p>
-            <a:pPr lvl="1">
-              <a:lnSpc>
-                <a:spcPct val="100000"/>
-              </a:lnSpc>
-              <a:buSzPct val="75000"/>
-              <a:buFont typeface="StarSymbol"/>
-              <a:buChar char="l"/>
-            </a:pPr>
-            <a:r>
-              <a:rPr lang="en-AU" sz="2800" strike="noStrike">
-                <a:latin typeface="Arial"/>
-              </a:rPr>
-              <a:t>If you trust the key you downloaded</a:t>
-            </a:r>
-            <a:endParaRPr/>
-          </a:p>
-        </p:txBody>
-      </p:sp>
+      </p:sp>
+      <p:pic>
+        <p:nvPicPr>
+          <p:cNvPr id="202" name="" descr=""/>
+          <p:cNvPicPr/>
+          <p:nvPr/>
+        </p:nvPicPr>
+        <p:blipFill>
+          <a:blip r:embed="rId1"/>
+          <a:stretch/>
+        </p:blipFill>
+        <p:spPr>
+          <a:xfrm>
+            <a:off x="576000" y="1296000"/>
+            <a:ext cx="9287280" cy="5471280"/>
+          </a:xfrm>
+          <a:prstGeom prst="rect">
+            <a:avLst/>
+          </a:prstGeom>
+          <a:ln>
+            <a:noFill/>
+          </a:ln>
+        </p:spPr>
+      </p:pic>
     </p:spTree>
   </p:cSld>
   <p:timing>
     <p:tnLst>
       <p:par>
-        <p:cTn id="55" dur="indefinite" restart="never" nodeType="tmRoot">
+        <p:cTn id="57" dur="indefinite" restart="never" nodeType="tmRoot">
           <p:childTnLst>
             <p:seq>
-              <p:cTn id="56" nodeType="mainSeq"/>
+              <p:cTn id="58" nodeType="mainSeq"/>
               <p:prevCondLst>
                 <p:cond delay="0" evt="onPrev">
                   <p:tgtEl>
@@ -9335,7 +9628,7 @@
         <p:spPr>
           <a:xfrm>
             <a:off x="504000" y="301320"/>
-            <a:ext cx="9071280" cy="1261800"/>
+            <a:ext cx="9070920" cy="1261440"/>
           </a:xfrm>
           <a:prstGeom prst="rect">
             <a:avLst/>
@@ -9361,7 +9654,11 @@
             </a:pPr>
             <a:r>
               <a:rPr lang="en-AU" sz="4400" strike="noStrike">
-                <a:latin typeface="Arial"/>
+                <a:solidFill>
+                  <a:srgbClr val="000000"/>
+                </a:solidFill>
+                <a:latin typeface="Arial"/>
+                <a:ea typeface="DejaVu Sans"/>
               </a:rPr>
               <a:t>Simple Encryption</a:t>
             </a:r>
@@ -9378,7 +9675,7 @@
         <p:spPr>
           <a:xfrm>
             <a:off x="504000" y="1769040"/>
-            <a:ext cx="9071280" cy="4384080"/>
+            <a:ext cx="9070920" cy="4383720"/>
           </a:xfrm>
           <a:prstGeom prst="rect">
             <a:avLst/>
@@ -9416,14 +9713,14 @@
       </p:sp>
       <p:sp>
         <p:nvSpPr>
-          <p:cNvPr id="121" name="TextShape 3"/>
-          <p:cNvSpPr txBox="1"/>
+          <p:cNvPr id="121" name="CustomShape 3"/>
+          <p:cNvSpPr/>
           <p:nvPr/>
         </p:nvSpPr>
         <p:spPr>
           <a:xfrm>
             <a:off x="1353960" y="3636720"/>
-            <a:ext cx="7521840" cy="3417840"/>
+            <a:ext cx="7521480" cy="3417480"/>
           </a:xfrm>
           <a:prstGeom prst="rect">
             <a:avLst/>
@@ -9433,6 +9730,12 @@
             <a:noFill/>
           </a:ln>
         </p:spPr>
+        <p:style>
+          <a:lnRef idx="0"/>
+          <a:fillRef idx="0"/>
+          <a:effectRef idx="0"/>
+          <a:fontRef idx="minor"/>
+        </p:style>
         <p:txBody>
           <a:bodyPr lIns="90000" rIns="90000" tIns="45000" bIns="45000"/>
           <a:p>
@@ -9470,7 +9773,7 @@
           </a:p>
           <a:p>
             <a:r>
-              <a:rPr lang="en-AU">
+              <a:rPr lang="en-AU" strike="noStrike">
                 <a:latin typeface="Arial"/>
               </a:rPr>
               <a:t>https://www.ssl2buy.com/wiki/symmetric-vs-asymmetric-encryption-what-are-differences</a:t>
@@ -9492,7 +9795,7 @@
         <p:spPr>
           <a:xfrm>
             <a:off x="1080000" y="1656000"/>
-            <a:ext cx="7560000" cy="4104000"/>
+            <a:ext cx="7559640" cy="4103640"/>
           </a:xfrm>
           <a:prstGeom prst="rect">
             <a:avLst/>
@@ -9507,10 +9810,10 @@
   <p:timing>
     <p:tnLst>
       <p:par>
-        <p:cTn id="3" dur="indefinite" restart="never" nodeType="tmRoot">
+        <p:cTn id="5" dur="indefinite" restart="never" nodeType="tmRoot">
           <p:childTnLst>
             <p:seq>
-              <p:cTn id="4" nodeType="mainSeq"/>
+              <p:cTn id="6" nodeType="mainSeq"/>
               <p:prevCondLst>
                 <p:cond delay="0" evt="onPrev">
                   <p:tgtEl>
@@ -9553,14 +9856,14 @@
       </p:grpSpPr>
       <p:sp>
         <p:nvSpPr>
-          <p:cNvPr id="201" name="CustomShape 1"/>
+          <p:cNvPr id="203" name="CustomShape 1"/>
           <p:cNvSpPr/>
           <p:nvPr/>
         </p:nvSpPr>
         <p:spPr>
           <a:xfrm>
             <a:off x="504000" y="301320"/>
-            <a:ext cx="9071280" cy="1261800"/>
+            <a:ext cx="9070920" cy="1261440"/>
           </a:xfrm>
           <a:prstGeom prst="rect">
             <a:avLst/>
@@ -9586,24 +9889,28 @@
             </a:pPr>
             <a:r>
               <a:rPr lang="en-AU" sz="4400" strike="noStrike">
-                <a:latin typeface="Arial"/>
-              </a:rPr>
-              <a:t>Demo: Some MD5 sums</a:t>
-            </a:r>
-            <a:endParaRPr/>
-          </a:p>
-        </p:txBody>
-      </p:sp>
-      <p:sp>
-        <p:nvSpPr>
-          <p:cNvPr id="202" name="CustomShape 2"/>
+                <a:solidFill>
+                  <a:srgbClr val="000000"/>
+                </a:solidFill>
+                <a:latin typeface="Arial"/>
+                <a:ea typeface="DejaVu Sans"/>
+              </a:rPr>
+              <a:t>Application: Verify your debian</a:t>
+            </a:r>
+            <a:endParaRPr/>
+          </a:p>
+        </p:txBody>
+      </p:sp>
+      <p:sp>
+        <p:nvSpPr>
+          <p:cNvPr id="204" name="CustomShape 2"/>
           <p:cNvSpPr/>
           <p:nvPr/>
         </p:nvSpPr>
         <p:spPr>
           <a:xfrm>
             <a:off x="504000" y="1769040"/>
-            <a:ext cx="9071280" cy="4384080"/>
+            <a:ext cx="9070920" cy="4383720"/>
           </a:xfrm>
           <a:prstGeom prst="rect">
             <a:avLst/>
@@ -9619,39 +9926,208 @@
           <a:effectRef idx="0"/>
           <a:fontRef idx="minor"/>
         </p:style>
-      </p:sp>
-      <p:pic>
-        <p:nvPicPr>
-          <p:cNvPr id="203" name="" descr=""/>
-          <p:cNvPicPr/>
-          <p:nvPr/>
-        </p:nvPicPr>
-        <p:blipFill>
-          <a:blip r:embed="rId1"/>
-          <a:stretch/>
-        </p:blipFill>
-        <p:spPr>
-          <a:xfrm>
-            <a:off x="648000" y="1440000"/>
-            <a:ext cx="9071640" cy="5687640"/>
-          </a:xfrm>
-          <a:prstGeom prst="rect">
-            <a:avLst/>
-          </a:prstGeom>
-          <a:ln>
-            <a:noFill/>
-          </a:ln>
-        </p:spPr>
-      </p:pic>
+        <p:txBody>
+          <a:bodyPr lIns="0" rIns="0" tIns="0" bIns="0"/>
+          <a:p>
+            <a:pPr>
+              <a:lnSpc>
+                <a:spcPct val="100000"/>
+              </a:lnSpc>
+              <a:buSzPct val="45000"/>
+              <a:buFont typeface="StarSymbol"/>
+              <a:buChar char="l"/>
+            </a:pPr>
+            <a:r>
+              <a:rPr lang="en-AU" sz="3200" strike="noStrike">
+                <a:solidFill>
+                  <a:srgbClr val="000000"/>
+                </a:solidFill>
+                <a:latin typeface="Arial"/>
+                <a:ea typeface="DejaVu Sans"/>
+              </a:rPr>
+              <a:t>Download an ISO </a:t>
+            </a:r>
+            <a:endParaRPr/>
+          </a:p>
+          <a:p>
+            <a:pPr lvl="1">
+              <a:lnSpc>
+                <a:spcPct val="100000"/>
+              </a:lnSpc>
+              <a:buSzPct val="75000"/>
+              <a:buFont typeface="StarSymbol"/>
+              <a:buChar char="l"/>
+            </a:pPr>
+            <a:r>
+              <a:rPr lang="en-AU" sz="2800" strike="noStrike">
+                <a:solidFill>
+                  <a:srgbClr val="000000"/>
+                </a:solidFill>
+                <a:latin typeface="Arial"/>
+                <a:ea typeface="DejaVu Sans"/>
+              </a:rPr>
+              <a:t>But has it been tampered with?</a:t>
+            </a:r>
+            <a:endParaRPr/>
+          </a:p>
+          <a:p>
+            <a:pPr>
+              <a:lnSpc>
+                <a:spcPct val="100000"/>
+              </a:lnSpc>
+              <a:buSzPct val="45000"/>
+              <a:buFont typeface="StarSymbol"/>
+              <a:buChar char="l"/>
+            </a:pPr>
+            <a:r>
+              <a:rPr lang="en-AU" sz="3200" strike="noStrike">
+                <a:solidFill>
+                  <a:srgbClr val="000000"/>
+                </a:solidFill>
+                <a:latin typeface="Arial"/>
+                <a:ea typeface="DejaVu Sans"/>
+              </a:rPr>
+              <a:t>Download a MD5/SHA1/SHA256 sum</a:t>
+            </a:r>
+            <a:endParaRPr/>
+          </a:p>
+          <a:p>
+            <a:pPr lvl="1">
+              <a:lnSpc>
+                <a:spcPct val="100000"/>
+              </a:lnSpc>
+              <a:buSzPct val="75000"/>
+              <a:buFont typeface="StarSymbol"/>
+              <a:buChar char="l"/>
+            </a:pPr>
+            <a:r>
+              <a:rPr lang="en-AU" sz="2800" strike="noStrike">
+                <a:solidFill>
+                  <a:srgbClr val="000000"/>
+                </a:solidFill>
+                <a:latin typeface="Arial"/>
+                <a:ea typeface="DejaVu Sans"/>
+              </a:rPr>
+              <a:t>But has the sum been tampered with?</a:t>
+            </a:r>
+            <a:endParaRPr/>
+          </a:p>
+          <a:p>
+            <a:pPr>
+              <a:lnSpc>
+                <a:spcPct val="100000"/>
+              </a:lnSpc>
+              <a:buSzPct val="45000"/>
+              <a:buFont typeface="StarSymbol"/>
+              <a:buChar char="l"/>
+            </a:pPr>
+            <a:r>
+              <a:rPr lang="en-AU" sz="3200" strike="noStrike">
+                <a:solidFill>
+                  <a:srgbClr val="000000"/>
+                </a:solidFill>
+                <a:latin typeface="Arial"/>
+                <a:ea typeface="DejaVu Sans"/>
+              </a:rPr>
+              <a:t>Debian signs the sum files</a:t>
+            </a:r>
+            <a:endParaRPr/>
+          </a:p>
+          <a:p>
+            <a:pPr lvl="1">
+              <a:lnSpc>
+                <a:spcPct val="100000"/>
+              </a:lnSpc>
+              <a:buSzPct val="75000"/>
+              <a:buFont typeface="StarSymbol"/>
+              <a:buChar char="l"/>
+            </a:pPr>
+            <a:r>
+              <a:rPr lang="en-AU" sz="2800" strike="noStrike">
+                <a:solidFill>
+                  <a:srgbClr val="000000"/>
+                </a:solidFill>
+                <a:latin typeface="Arial"/>
+                <a:ea typeface="DejaVu Sans"/>
+              </a:rPr>
+              <a:t>Use gpg to verify the signing</a:t>
+            </a:r>
+            <a:endParaRPr/>
+          </a:p>
+          <a:p>
+            <a:pPr lvl="1">
+              <a:lnSpc>
+                <a:spcPct val="100000"/>
+              </a:lnSpc>
+              <a:buSzPct val="75000"/>
+              <a:buFont typeface="StarSymbol"/>
+              <a:buChar char="l"/>
+            </a:pPr>
+            <a:r>
+              <a:rPr lang="en-AU" sz="2800" strike="noStrike">
+                <a:solidFill>
+                  <a:srgbClr val="000000"/>
+                </a:solidFill>
+                <a:latin typeface="Arial"/>
+                <a:ea typeface="DejaVu Sans"/>
+              </a:rPr>
+              <a:t>Need to get the debian signing key</a:t>
+            </a:r>
+            <a:endParaRPr/>
+          </a:p>
+          <a:p>
+            <a:pPr>
+              <a:lnSpc>
+                <a:spcPct val="100000"/>
+              </a:lnSpc>
+              <a:buSzPct val="45000"/>
+              <a:buFont typeface="StarSymbol"/>
+              <a:buChar char="l"/>
+            </a:pPr>
+            <a:r>
+              <a:rPr lang="en-AU" sz="3200" strike="noStrike">
+                <a:solidFill>
+                  <a:srgbClr val="000000"/>
+                </a:solidFill>
+                <a:latin typeface="Arial"/>
+                <a:ea typeface="DejaVu Sans"/>
+              </a:rPr>
+              <a:t>Now you know its safe</a:t>
+            </a:r>
+            <a:endParaRPr/>
+          </a:p>
+          <a:p>
+            <a:pPr lvl="1">
+              <a:lnSpc>
+                <a:spcPct val="100000"/>
+              </a:lnSpc>
+              <a:buSzPct val="75000"/>
+              <a:buFont typeface="StarSymbol"/>
+              <a:buChar char="l"/>
+            </a:pPr>
+            <a:r>
+              <a:rPr lang="en-AU" sz="2800" strike="noStrike">
+                <a:solidFill>
+                  <a:srgbClr val="000000"/>
+                </a:solidFill>
+                <a:latin typeface="Arial"/>
+                <a:ea typeface="DejaVu Sans"/>
+              </a:rPr>
+              <a:t>If you trust the key you downloaded</a:t>
+            </a:r>
+            <a:endParaRPr/>
+          </a:p>
+        </p:txBody>
+      </p:sp>
     </p:spTree>
   </p:cSld>
   <p:timing>
     <p:tnLst>
       <p:par>
-        <p:cTn id="57" dur="indefinite" restart="never" nodeType="tmRoot">
+        <p:cTn id="59" dur="indefinite" restart="never" nodeType="tmRoot">
           <p:childTnLst>
             <p:seq>
-              <p:cTn id="58" nodeType="mainSeq"/>
+              <p:cTn id="60" nodeType="mainSeq"/>
               <p:prevCondLst>
                 <p:cond delay="0" evt="onPrev">
                   <p:tgtEl>
@@ -9694,14 +10170,14 @@
       </p:grpSpPr>
       <p:sp>
         <p:nvSpPr>
-          <p:cNvPr id="204" name="CustomShape 1"/>
+          <p:cNvPr id="205" name="CustomShape 1"/>
           <p:cNvSpPr/>
           <p:nvPr/>
         </p:nvSpPr>
         <p:spPr>
           <a:xfrm>
             <a:off x="504000" y="301320"/>
-            <a:ext cx="9071280" cy="1261800"/>
+            <a:ext cx="9070920" cy="1261440"/>
           </a:xfrm>
           <a:prstGeom prst="rect">
             <a:avLst/>
@@ -9727,24 +10203,28 @@
             </a:pPr>
             <a:r>
               <a:rPr lang="en-AU" sz="4400" strike="noStrike">
-                <a:latin typeface="Arial"/>
-              </a:rPr>
-              <a:t>Demo: Get the Signing Key</a:t>
-            </a:r>
-            <a:endParaRPr/>
-          </a:p>
-        </p:txBody>
-      </p:sp>
-      <p:sp>
-        <p:nvSpPr>
-          <p:cNvPr id="205" name="CustomShape 2"/>
+                <a:solidFill>
+                  <a:srgbClr val="000000"/>
+                </a:solidFill>
+                <a:latin typeface="Arial"/>
+                <a:ea typeface="DejaVu Sans"/>
+              </a:rPr>
+              <a:t>Demo: Some MD5 sums</a:t>
+            </a:r>
+            <a:endParaRPr/>
+          </a:p>
+        </p:txBody>
+      </p:sp>
+      <p:sp>
+        <p:nvSpPr>
+          <p:cNvPr id="206" name="CustomShape 2"/>
           <p:cNvSpPr/>
           <p:nvPr/>
         </p:nvSpPr>
         <p:spPr>
           <a:xfrm>
             <a:off x="504000" y="1769040"/>
-            <a:ext cx="9071280" cy="4384080"/>
+            <a:ext cx="9070920" cy="4383720"/>
           </a:xfrm>
           <a:prstGeom prst="rect">
             <a:avLst/>
@@ -9763,7 +10243,7 @@
       </p:sp>
       <p:pic>
         <p:nvPicPr>
-          <p:cNvPr id="206" name="" descr=""/>
+          <p:cNvPr id="207" name="" descr=""/>
           <p:cNvPicPr/>
           <p:nvPr/>
         </p:nvPicPr>
@@ -9773,8 +10253,8 @@
         </p:blipFill>
         <p:spPr>
           <a:xfrm>
-            <a:off x="360000" y="1368000"/>
-            <a:ext cx="9287640" cy="5687640"/>
+            <a:off x="648000" y="1440000"/>
+            <a:ext cx="9071280" cy="5687280"/>
           </a:xfrm>
           <a:prstGeom prst="rect">
             <a:avLst/>
@@ -9789,10 +10269,10 @@
   <p:timing>
     <p:tnLst>
       <p:par>
-        <p:cTn id="59" dur="indefinite" restart="never" nodeType="tmRoot">
+        <p:cTn id="61" dur="indefinite" restart="never" nodeType="tmRoot">
           <p:childTnLst>
             <p:seq>
-              <p:cTn id="60" nodeType="mainSeq"/>
+              <p:cTn id="62" nodeType="mainSeq"/>
               <p:prevCondLst>
                 <p:cond delay="0" evt="onPrev">
                   <p:tgtEl>
@@ -9835,14 +10315,14 @@
       </p:grpSpPr>
       <p:sp>
         <p:nvSpPr>
-          <p:cNvPr id="207" name="CustomShape 1"/>
+          <p:cNvPr id="208" name="CustomShape 1"/>
           <p:cNvSpPr/>
           <p:nvPr/>
         </p:nvSpPr>
         <p:spPr>
           <a:xfrm>
             <a:off x="504000" y="301320"/>
-            <a:ext cx="9071280" cy="1261800"/>
+            <a:ext cx="9070920" cy="1261440"/>
           </a:xfrm>
           <a:prstGeom prst="rect">
             <a:avLst/>
@@ -9868,24 +10348,28 @@
             </a:pPr>
             <a:r>
               <a:rPr lang="en-AU" sz="4400" strike="noStrike">
-                <a:latin typeface="Arial"/>
-              </a:rPr>
-              <a:t>Demo: Verify a MD5 sum file</a:t>
-            </a:r>
-            <a:endParaRPr/>
-          </a:p>
-        </p:txBody>
-      </p:sp>
-      <p:sp>
-        <p:nvSpPr>
-          <p:cNvPr id="208" name="CustomShape 2"/>
+                <a:solidFill>
+                  <a:srgbClr val="000000"/>
+                </a:solidFill>
+                <a:latin typeface="Arial"/>
+                <a:ea typeface="DejaVu Sans"/>
+              </a:rPr>
+              <a:t>Demo: Get the Signing Key</a:t>
+            </a:r>
+            <a:endParaRPr/>
+          </a:p>
+        </p:txBody>
+      </p:sp>
+      <p:sp>
+        <p:nvSpPr>
+          <p:cNvPr id="209" name="CustomShape 2"/>
           <p:cNvSpPr/>
           <p:nvPr/>
         </p:nvSpPr>
         <p:spPr>
           <a:xfrm>
             <a:off x="504000" y="1769040"/>
-            <a:ext cx="9071280" cy="4384080"/>
+            <a:ext cx="9070920" cy="4383720"/>
           </a:xfrm>
           <a:prstGeom prst="rect">
             <a:avLst/>
@@ -9904,7 +10388,7 @@
       </p:sp>
       <p:pic>
         <p:nvPicPr>
-          <p:cNvPr id="209" name="" descr=""/>
+          <p:cNvPr id="210" name="" descr=""/>
           <p:cNvPicPr/>
           <p:nvPr/>
         </p:nvPicPr>
@@ -9914,8 +10398,8 @@
         </p:blipFill>
         <p:spPr>
           <a:xfrm>
-            <a:off x="432000" y="1440000"/>
-            <a:ext cx="9143640" cy="5687640"/>
+            <a:off x="360000" y="1368000"/>
+            <a:ext cx="9287280" cy="5687280"/>
           </a:xfrm>
           <a:prstGeom prst="rect">
             <a:avLst/>
@@ -9930,10 +10414,10 @@
   <p:timing>
     <p:tnLst>
       <p:par>
-        <p:cTn id="61" dur="indefinite" restart="never" nodeType="tmRoot">
+        <p:cTn id="63" dur="indefinite" restart="never" nodeType="tmRoot">
           <p:childTnLst>
             <p:seq>
-              <p:cTn id="62" nodeType="mainSeq"/>
+              <p:cTn id="64" nodeType="mainSeq"/>
               <p:prevCondLst>
                 <p:cond delay="0" evt="onPrev">
                   <p:tgtEl>
@@ -9976,14 +10460,14 @@
       </p:grpSpPr>
       <p:sp>
         <p:nvSpPr>
-          <p:cNvPr id="210" name="CustomShape 1"/>
+          <p:cNvPr id="211" name="CustomShape 1"/>
           <p:cNvSpPr/>
           <p:nvPr/>
         </p:nvSpPr>
         <p:spPr>
           <a:xfrm>
             <a:off x="504000" y="301320"/>
-            <a:ext cx="9071280" cy="1261800"/>
+            <a:ext cx="9070920" cy="1261440"/>
           </a:xfrm>
           <a:prstGeom prst="rect">
             <a:avLst/>
@@ -10009,24 +10493,28 @@
             </a:pPr>
             <a:r>
               <a:rPr lang="en-AU" sz="4400" strike="noStrike">
-                <a:latin typeface="Arial"/>
-              </a:rPr>
-              <a:t>Stuff I haven't talked about</a:t>
-            </a:r>
-            <a:endParaRPr/>
-          </a:p>
-        </p:txBody>
-      </p:sp>
-      <p:sp>
-        <p:nvSpPr>
-          <p:cNvPr id="211" name="CustomShape 2"/>
+                <a:solidFill>
+                  <a:srgbClr val="000000"/>
+                </a:solidFill>
+                <a:latin typeface="Arial"/>
+                <a:ea typeface="DejaVu Sans"/>
+              </a:rPr>
+              <a:t>Demo: Verify a MD5 sum file</a:t>
+            </a:r>
+            <a:endParaRPr/>
+          </a:p>
+        </p:txBody>
+      </p:sp>
+      <p:sp>
+        <p:nvSpPr>
+          <p:cNvPr id="212" name="CustomShape 2"/>
           <p:cNvSpPr/>
           <p:nvPr/>
         </p:nvSpPr>
         <p:spPr>
           <a:xfrm>
             <a:off x="504000" y="1769040"/>
-            <a:ext cx="9071280" cy="4384080"/>
+            <a:ext cx="9070920" cy="4383720"/>
           </a:xfrm>
           <a:prstGeom prst="rect">
             <a:avLst/>
@@ -10042,121 +10530,39 @@
           <a:effectRef idx="0"/>
           <a:fontRef idx="minor"/>
         </p:style>
-        <p:txBody>
-          <a:bodyPr lIns="0" rIns="0" tIns="0" bIns="0"/>
-          <a:p>
-            <a:pPr>
-              <a:lnSpc>
-                <a:spcPct val="100000"/>
-              </a:lnSpc>
-              <a:buSzPct val="45000"/>
-              <a:buFont typeface="StarSymbol"/>
-              <a:buChar char="l"/>
-            </a:pPr>
-            <a:r>
-              <a:rPr lang="en-AU" sz="3200" strike="noStrike">
-                <a:latin typeface="Arial"/>
-              </a:rPr>
-              <a:t>Trust and the Web of Trust in depth</a:t>
-            </a:r>
-            <a:endParaRPr/>
-          </a:p>
-          <a:p>
-            <a:pPr>
-              <a:lnSpc>
-                <a:spcPct val="100000"/>
-              </a:lnSpc>
-              <a:buSzPct val="45000"/>
-              <a:buFont typeface="StarSymbol"/>
-              <a:buChar char="l"/>
-            </a:pPr>
-            <a:r>
-              <a:rPr lang="en-AU" sz="3200" strike="noStrike">
-                <a:latin typeface="Arial"/>
-              </a:rPr>
-              <a:t>Integrating gpg into your mail client</a:t>
-            </a:r>
-            <a:endParaRPr/>
-          </a:p>
-          <a:p>
-            <a:pPr lvl="1">
-              <a:lnSpc>
-                <a:spcPct val="100000"/>
-              </a:lnSpc>
-              <a:buSzPct val="75000"/>
-              <a:buFont typeface="StarSymbol"/>
-              <a:buChar char="l"/>
-            </a:pPr>
-            <a:r>
-              <a:rPr lang="en-AU" sz="2800" strike="noStrike">
-                <a:latin typeface="Arial"/>
-              </a:rPr>
-              <a:t>Mutt</a:t>
-            </a:r>
-            <a:endParaRPr/>
-          </a:p>
-          <a:p>
-            <a:pPr lvl="1">
-              <a:lnSpc>
-                <a:spcPct val="100000"/>
-              </a:lnSpc>
-              <a:buSzPct val="75000"/>
-              <a:buFont typeface="StarSymbol"/>
-              <a:buChar char="l"/>
-            </a:pPr>
-            <a:r>
-              <a:rPr lang="en-AU" sz="2800" strike="noStrike">
-                <a:latin typeface="Arial"/>
-              </a:rPr>
-              <a:t>Thunderbird</a:t>
-            </a:r>
-            <a:endParaRPr/>
-          </a:p>
-          <a:p>
-            <a:pPr>
-              <a:lnSpc>
-                <a:spcPct val="100000"/>
-              </a:lnSpc>
-              <a:buSzPct val="45000"/>
-              <a:buFont typeface="StarSymbol"/>
-              <a:buChar char="l"/>
-            </a:pPr>
-            <a:r>
-              <a:rPr lang="en-AU" sz="3200" strike="noStrike">
-                <a:latin typeface="Arial"/>
-              </a:rPr>
-              <a:t>Key signing parties</a:t>
-            </a:r>
-            <a:endParaRPr/>
-          </a:p>
-          <a:p>
-            <a:pPr lvl="1">
-              <a:lnSpc>
-                <a:spcPct val="100000"/>
-              </a:lnSpc>
-              <a:buSzPct val="75000"/>
-              <a:buFont typeface="StarSymbol"/>
-              <a:buChar char="l"/>
-            </a:pPr>
-            <a:r>
-              <a:rPr lang="en-AU" sz="2800" strike="noStrike">
-                <a:latin typeface="Arial"/>
-              </a:rPr>
-              <a:t>Meet people, exchange key fingerprints, and check their passports</a:t>
-            </a:r>
-            <a:endParaRPr/>
-          </a:p>
-        </p:txBody>
-      </p:sp>
+      </p:sp>
+      <p:pic>
+        <p:nvPicPr>
+          <p:cNvPr id="213" name="" descr=""/>
+          <p:cNvPicPr/>
+          <p:nvPr/>
+        </p:nvPicPr>
+        <p:blipFill>
+          <a:blip r:embed="rId1"/>
+          <a:stretch/>
+        </p:blipFill>
+        <p:spPr>
+          <a:xfrm>
+            <a:off x="432000" y="1440000"/>
+            <a:ext cx="9143280" cy="5687280"/>
+          </a:xfrm>
+          <a:prstGeom prst="rect">
+            <a:avLst/>
+          </a:prstGeom>
+          <a:ln>
+            <a:noFill/>
+          </a:ln>
+        </p:spPr>
+      </p:pic>
     </p:spTree>
   </p:cSld>
   <p:timing>
     <p:tnLst>
       <p:par>
-        <p:cTn id="63" dur="indefinite" restart="never" nodeType="tmRoot">
+        <p:cTn id="65" dur="indefinite" restart="never" nodeType="tmRoot">
           <p:childTnLst>
             <p:seq>
-              <p:cTn id="64" nodeType="mainSeq"/>
+              <p:cTn id="66" nodeType="mainSeq"/>
               <p:prevCondLst>
                 <p:cond delay="0" evt="onPrev">
                   <p:tgtEl>
@@ -10199,14 +10605,14 @@
       </p:grpSpPr>
       <p:sp>
         <p:nvSpPr>
-          <p:cNvPr id="212" name="TextShape 1"/>
-          <p:cNvSpPr txBox="1"/>
+          <p:cNvPr id="214" name="CustomShape 1"/>
+          <p:cNvSpPr/>
           <p:nvPr/>
         </p:nvSpPr>
         <p:spPr>
           <a:xfrm>
             <a:off x="504000" y="301320"/>
-            <a:ext cx="9071280" cy="1261800"/>
+            <a:ext cx="9070920" cy="1261440"/>
           </a:xfrm>
           <a:prstGeom prst="rect">
             <a:avLst/>
@@ -10216,15 +10622,184 @@
             <a:noFill/>
           </a:ln>
         </p:spPr>
+        <p:style>
+          <a:lnRef idx="0"/>
+          <a:fillRef idx="0"/>
+          <a:effectRef idx="0"/>
+          <a:fontRef idx="minor"/>
+        </p:style>
         <p:txBody>
           <a:bodyPr lIns="0" rIns="0" tIns="0" bIns="0" anchor="ctr"/>
           <a:p>
-            <a:pPr algn="ctr"/>
-            <a:r>
-              <a:rPr lang="en-AU" sz="4400">
-                <a:latin typeface="Arial"/>
-              </a:rPr>
-              <a:t>Questions?</a:t>
+            <a:pPr algn="ctr">
+              <a:lnSpc>
+                <a:spcPct val="100000"/>
+              </a:lnSpc>
+            </a:pPr>
+            <a:r>
+              <a:rPr lang="en-AU" sz="4400" strike="noStrike">
+                <a:solidFill>
+                  <a:srgbClr val="000000"/>
+                </a:solidFill>
+                <a:latin typeface="Arial"/>
+                <a:ea typeface="DejaVu Sans"/>
+              </a:rPr>
+              <a:t>Stuff I haven't talked about</a:t>
+            </a:r>
+            <a:endParaRPr/>
+          </a:p>
+        </p:txBody>
+      </p:sp>
+      <p:sp>
+        <p:nvSpPr>
+          <p:cNvPr id="215" name="CustomShape 2"/>
+          <p:cNvSpPr/>
+          <p:nvPr/>
+        </p:nvSpPr>
+        <p:spPr>
+          <a:xfrm>
+            <a:off x="504000" y="1769040"/>
+            <a:ext cx="9070920" cy="4383720"/>
+          </a:xfrm>
+          <a:prstGeom prst="rect">
+            <a:avLst/>
+          </a:prstGeom>
+          <a:noFill/>
+          <a:ln>
+            <a:noFill/>
+          </a:ln>
+        </p:spPr>
+        <p:style>
+          <a:lnRef idx="0"/>
+          <a:fillRef idx="0"/>
+          <a:effectRef idx="0"/>
+          <a:fontRef idx="minor"/>
+        </p:style>
+        <p:txBody>
+          <a:bodyPr lIns="0" rIns="0" tIns="0" bIns="0"/>
+          <a:p>
+            <a:pPr>
+              <a:lnSpc>
+                <a:spcPct val="100000"/>
+              </a:lnSpc>
+              <a:buSzPct val="45000"/>
+              <a:buFont typeface="StarSymbol"/>
+              <a:buChar char="l"/>
+            </a:pPr>
+            <a:r>
+              <a:rPr lang="en-AU" sz="3200" strike="noStrike">
+                <a:solidFill>
+                  <a:srgbClr val="000000"/>
+                </a:solidFill>
+                <a:latin typeface="Arial"/>
+                <a:ea typeface="DejaVu Sans"/>
+              </a:rPr>
+              <a:t>Trust and the Web of Trust in depth</a:t>
+            </a:r>
+            <a:endParaRPr/>
+          </a:p>
+          <a:p>
+            <a:pPr>
+              <a:lnSpc>
+                <a:spcPct val="100000"/>
+              </a:lnSpc>
+              <a:buSzPct val="45000"/>
+              <a:buFont typeface="StarSymbol"/>
+              <a:buChar char="l"/>
+            </a:pPr>
+            <a:r>
+              <a:rPr lang="en-AU" sz="3200" strike="noStrike">
+                <a:solidFill>
+                  <a:srgbClr val="000000"/>
+                </a:solidFill>
+                <a:latin typeface="Arial"/>
+                <a:ea typeface="DejaVu Sans"/>
+              </a:rPr>
+              <a:t>Integrating gpg into your mail client</a:t>
+            </a:r>
+            <a:endParaRPr/>
+          </a:p>
+          <a:p>
+            <a:pPr lvl="1">
+              <a:lnSpc>
+                <a:spcPct val="100000"/>
+              </a:lnSpc>
+              <a:buSzPct val="75000"/>
+              <a:buFont typeface="StarSymbol"/>
+              <a:buChar char="l"/>
+            </a:pPr>
+            <a:r>
+              <a:rPr lang="en-AU" sz="2800" strike="noStrike">
+                <a:solidFill>
+                  <a:srgbClr val="000000"/>
+                </a:solidFill>
+                <a:latin typeface="Arial"/>
+                <a:ea typeface="DejaVu Sans"/>
+              </a:rPr>
+              <a:t>Mutt</a:t>
+            </a:r>
+            <a:endParaRPr/>
+          </a:p>
+          <a:p>
+            <a:pPr lvl="1">
+              <a:lnSpc>
+                <a:spcPct val="100000"/>
+              </a:lnSpc>
+              <a:buSzPct val="75000"/>
+              <a:buFont typeface="StarSymbol"/>
+              <a:buChar char="l"/>
+            </a:pPr>
+            <a:r>
+              <a:rPr lang="en-AU" sz="2800" strike="noStrike">
+                <a:solidFill>
+                  <a:srgbClr val="000000"/>
+                </a:solidFill>
+                <a:latin typeface="Arial"/>
+                <a:ea typeface="DejaVu Sans"/>
+              </a:rPr>
+              <a:t>Thunderbird</a:t>
+            </a:r>
+            <a:endParaRPr/>
+          </a:p>
+          <a:p>
+            <a:pPr>
+              <a:lnSpc>
+                <a:spcPct val="100000"/>
+              </a:lnSpc>
+              <a:buSzPct val="45000"/>
+              <a:buFont typeface="StarSymbol"/>
+              <a:buChar char="l"/>
+            </a:pPr>
+            <a:r>
+              <a:rPr lang="en-AU" sz="3200" strike="noStrike">
+                <a:solidFill>
+                  <a:srgbClr val="000000"/>
+                </a:solidFill>
+                <a:latin typeface="Arial"/>
+                <a:ea typeface="DejaVu Sans"/>
+              </a:rPr>
+              <a:t>Key signing parties</a:t>
+            </a:r>
+            <a:endParaRPr/>
+          </a:p>
+          <a:p>
+            <a:pPr lvl="1">
+              <a:lnSpc>
+                <a:spcPct val="100000"/>
+              </a:lnSpc>
+              <a:buSzPct val="75000"/>
+              <a:buFont typeface="StarSymbol"/>
+              <a:buChar char="l"/>
+            </a:pPr>
+            <a:r>
+              <a:rPr lang="en-AU" sz="2800" strike="noStrike">
+                <a:solidFill>
+                  <a:srgbClr val="000000"/>
+                </a:solidFill>
+                <a:latin typeface="Arial"/>
+                <a:ea typeface="DejaVu Sans"/>
+              </a:rPr>
+              <a:t>Meet people, exchange key fingerprints, and check their passports</a:t>
             </a:r>
             <a:endParaRPr/>
           </a:p>
@@ -10232,6 +10807,33 @@
       </p:sp>
     </p:spTree>
   </p:cSld>
+  <p:timing>
+    <p:tnLst>
+      <p:par>
+        <p:cTn id="67" dur="indefinite" restart="never" nodeType="tmRoot">
+          <p:childTnLst>
+            <p:seq>
+              <p:cTn id="68" nodeType="mainSeq"/>
+              <p:prevCondLst>
+                <p:cond delay="0" evt="onPrev">
+                  <p:tgtEl>
+                    <p:sldTgt/>
+                  </p:tgtEl>
+                </p:cond>
+              </p:prevCondLst>
+              <p:nextCondLst>
+                <p:cond delay="0" evt="onNext">
+                  <p:tgtEl>
+                    <p:sldTgt/>
+                  </p:tgtEl>
+                </p:cond>
+              </p:nextCondLst>
+            </p:seq>
+          </p:childTnLst>
+        </p:cTn>
+      </p:par>
+    </p:tnLst>
+  </p:timing>
 </p:sld>
 </file>
 
@@ -10254,14 +10856,14 @@
       </p:grpSpPr>
       <p:sp>
         <p:nvSpPr>
-          <p:cNvPr id="213" name="CustomShape 1"/>
+          <p:cNvPr id="216" name="CustomShape 1"/>
           <p:cNvSpPr/>
           <p:nvPr/>
         </p:nvSpPr>
         <p:spPr>
           <a:xfrm>
             <a:off x="504000" y="301320"/>
-            <a:ext cx="9071280" cy="1261800"/>
+            <a:ext cx="9070920" cy="1261440"/>
           </a:xfrm>
           <a:prstGeom prst="rect">
             <a:avLst/>
@@ -10277,17 +10879,56 @@
           <a:effectRef idx="0"/>
           <a:fontRef idx="minor"/>
         </p:style>
-      </p:sp>
-      <p:sp>
-        <p:nvSpPr>
-          <p:cNvPr id="214" name="CustomShape 2"/>
+        <p:txBody>
+          <a:bodyPr lIns="0" rIns="0" tIns="0" bIns="0" anchor="ctr"/>
+          <a:p>
+            <a:pPr algn="ctr">
+              <a:lnSpc>
+                <a:spcPct val="100000"/>
+              </a:lnSpc>
+            </a:pPr>
+            <a:r>
+              <a:rPr lang="en-AU" sz="4400" strike="noStrike">
+                <a:latin typeface="Arial"/>
+              </a:rPr>
+              <a:t>Questions?</a:t>
+            </a:r>
+            <a:endParaRPr/>
+          </a:p>
+        </p:txBody>
+      </p:sp>
+    </p:spTree>
+  </p:cSld>
+</p:sld>
+</file>
+
+<file path=ppt/slides/slide36.xml><?xml version="1.0" encoding="utf-8"?>
+<p:sld xmlns:a="http://schemas.openxmlformats.org/drawingml/2006/main" xmlns:p="http://schemas.openxmlformats.org/presentationml/2006/main" xmlns:r="http://schemas.openxmlformats.org/officeDocument/2006/relationships">
+  <p:cSld>
+    <p:spTree>
+      <p:nvGrpSpPr>
+        <p:cNvPr id="1" name=""/>
+        <p:cNvGrpSpPr/>
+        <p:nvPr/>
+      </p:nvGrpSpPr>
+      <p:grpSpPr>
+        <a:xfrm>
+          <a:off x="0" y="0"/>
+          <a:ext cx="0" cy="0"/>
+          <a:chOff x="0" y="0"/>
+          <a:chExt cx="0" cy="0"/>
+        </a:xfrm>
+      </p:grpSpPr>
+      <p:sp>
+        <p:nvSpPr>
+          <p:cNvPr id="217" name="CustomShape 1"/>
           <p:cNvSpPr/>
           <p:nvPr/>
         </p:nvSpPr>
         <p:spPr>
           <a:xfrm>
-            <a:off x="504000" y="1769040"/>
-            <a:ext cx="9071280" cy="4384080"/>
+            <a:off x="504000" y="301320"/>
+            <a:ext cx="9070920" cy="1261440"/>
           </a:xfrm>
           <a:prstGeom prst="rect">
             <a:avLst/>
@@ -10303,6 +10944,32 @@
           <a:effectRef idx="0"/>
           <a:fontRef idx="minor"/>
         </p:style>
+      </p:sp>
+      <p:sp>
+        <p:nvSpPr>
+          <p:cNvPr id="218" name="CustomShape 2"/>
+          <p:cNvSpPr/>
+          <p:nvPr/>
+        </p:nvSpPr>
+        <p:spPr>
+          <a:xfrm>
+            <a:off x="504000" y="1769040"/>
+            <a:ext cx="9070920" cy="4383720"/>
+          </a:xfrm>
+          <a:prstGeom prst="rect">
+            <a:avLst/>
+          </a:prstGeom>
+          <a:noFill/>
+          <a:ln>
+            <a:noFill/>
+          </a:ln>
+        </p:spPr>
+        <p:style>
+          <a:lnRef idx="0"/>
+          <a:fillRef idx="0"/>
+          <a:effectRef idx="0"/>
+          <a:fontRef idx="minor"/>
+        </p:style>
         <p:txBody>
           <a:bodyPr lIns="0" rIns="0" tIns="0" bIns="0"/>
           <a:p>
@@ -10373,7 +11040,7 @@
       </p:sp>
       <p:pic>
         <p:nvPicPr>
-          <p:cNvPr id="215" name="" descr=""/>
+          <p:cNvPr id="219" name="" descr=""/>
           <p:cNvPicPr/>
           <p:nvPr/>
         </p:nvPicPr>
@@ -10384,7 +11051,7 @@
         <p:spPr>
           <a:xfrm>
             <a:off x="1296000" y="1329480"/>
-            <a:ext cx="7559640" cy="4823640"/>
+            <a:ext cx="7559280" cy="4823280"/>
           </a:xfrm>
           <a:prstGeom prst="rect">
             <a:avLst/>
@@ -10396,14 +11063,14 @@
       </p:pic>
       <p:sp>
         <p:nvSpPr>
-          <p:cNvPr id="216" name="CustomShape 3"/>
+          <p:cNvPr id="220" name="CustomShape 3"/>
           <p:cNvSpPr/>
           <p:nvPr/>
         </p:nvSpPr>
         <p:spPr>
           <a:xfrm>
             <a:off x="2503800" y="3827520"/>
-            <a:ext cx="5221800" cy="3161520"/>
+            <a:ext cx="5221440" cy="3161160"/>
           </a:xfrm>
           <a:prstGeom prst="rect">
             <a:avLst/>
@@ -10454,7 +11121,11 @@
           <a:p>
             <a:r>
               <a:rPr lang="en-AU" strike="noStrike">
-                <a:latin typeface="Arial"/>
+                <a:solidFill>
+                  <a:srgbClr val="000000"/>
+                </a:solidFill>
+                <a:latin typeface="Arial"/>
+                <a:ea typeface="DejaVu Sans"/>
               </a:rPr>
               <a:t>http://looneytunes.wikia.com/wiki/That's_All_Folks</a:t>
             </a:r>
@@ -10470,10 +11141,10 @@
   <p:timing>
     <p:tnLst>
       <p:par>
-        <p:cTn id="65" dur="indefinite" restart="never" nodeType="tmRoot">
+        <p:cTn id="69" dur="indefinite" restart="never" nodeType="tmRoot">
           <p:childTnLst>
             <p:seq>
-              <p:cTn id="66" nodeType="mainSeq"/>
+              <p:cTn id="70" nodeType="mainSeq"/>
               <p:prevCondLst>
                 <p:cond delay="0" evt="onPrev">
                   <p:tgtEl>
@@ -10523,7 +11194,7 @@
         <p:spPr>
           <a:xfrm>
             <a:off x="504000" y="301320"/>
-            <a:ext cx="9071280" cy="1261800"/>
+            <a:ext cx="9070920" cy="1261440"/>
           </a:xfrm>
           <a:prstGeom prst="rect">
             <a:avLst/>
@@ -10549,7 +11220,11 @@
             </a:pPr>
             <a:r>
               <a:rPr lang="en-AU" sz="4400" strike="noStrike">
-                <a:latin typeface="Arial"/>
+                <a:solidFill>
+                  <a:srgbClr val="000000"/>
+                </a:solidFill>
+                <a:latin typeface="Arial"/>
+                <a:ea typeface="DejaVu Sans"/>
               </a:rPr>
               <a:t>Public Key Encryption</a:t>
             </a:r>
@@ -10566,7 +11241,7 @@
         <p:spPr>
           <a:xfrm>
             <a:off x="504000" y="1769040"/>
-            <a:ext cx="9071280" cy="4384080"/>
+            <a:ext cx="9070920" cy="4383720"/>
           </a:xfrm>
           <a:prstGeom prst="rect">
             <a:avLst/>
@@ -10615,7 +11290,7 @@
         <p:spPr>
           <a:xfrm>
             <a:off x="1872000" y="1584000"/>
-            <a:ext cx="6624000" cy="4608000"/>
+            <a:ext cx="6623640" cy="4607640"/>
           </a:xfrm>
           <a:prstGeom prst="rect">
             <a:avLst/>
@@ -10627,14 +11302,14 @@
       </p:pic>
       <p:sp>
         <p:nvSpPr>
-          <p:cNvPr id="126" name="TextShape 3"/>
-          <p:cNvSpPr txBox="1"/>
+          <p:cNvPr id="126" name="CustomShape 3"/>
+          <p:cNvSpPr/>
           <p:nvPr/>
         </p:nvSpPr>
         <p:spPr>
           <a:xfrm>
             <a:off x="1353960" y="3636720"/>
-            <a:ext cx="7521840" cy="3161880"/>
+            <a:ext cx="7521480" cy="3161520"/>
           </a:xfrm>
           <a:prstGeom prst="rect">
             <a:avLst/>
@@ -10644,6 +11319,12 @@
             <a:noFill/>
           </a:ln>
         </p:spPr>
+        <p:style>
+          <a:lnRef idx="0"/>
+          <a:fillRef idx="0"/>
+          <a:effectRef idx="0"/>
+          <a:fontRef idx="minor"/>
+        </p:style>
         <p:txBody>
           <a:bodyPr lIns="90000" rIns="90000" tIns="45000" bIns="45000"/>
           <a:p>
@@ -10681,7 +11362,7 @@
           </a:p>
           <a:p>
             <a:r>
-              <a:rPr lang="en-AU">
+              <a:rPr lang="en-AU" strike="noStrike">
                 <a:latin typeface="Arial"/>
               </a:rPr>
               <a:t>https://www.goanywhere.com/managed-file-transfer/encryption/open-pgp</a:t>
@@ -10695,10 +11376,10 @@
   <p:timing>
     <p:tnLst>
       <p:par>
-        <p:cTn id="5" dur="indefinite" restart="never" nodeType="tmRoot">
+        <p:cTn id="7" dur="indefinite" restart="never" nodeType="tmRoot">
           <p:childTnLst>
             <p:seq>
-              <p:cTn id="6" nodeType="mainSeq"/>
+              <p:cTn id="8" nodeType="mainSeq"/>
               <p:prevCondLst>
                 <p:cond delay="0" evt="onPrev">
                   <p:tgtEl>
@@ -10748,7 +11429,7 @@
         <p:spPr>
           <a:xfrm>
             <a:off x="504000" y="337320"/>
-            <a:ext cx="9071280" cy="1261800"/>
+            <a:ext cx="9070920" cy="1261440"/>
           </a:xfrm>
           <a:prstGeom prst="rect">
             <a:avLst/>
@@ -10774,7 +11455,7 @@
         <p:spPr>
           <a:xfrm>
             <a:off x="504000" y="1769040"/>
-            <a:ext cx="9071280" cy="4384080"/>
+            <a:ext cx="9070920" cy="4383720"/>
           </a:xfrm>
           <a:prstGeom prst="rect">
             <a:avLst/>
@@ -10859,7 +11540,7 @@
         <p:spPr>
           <a:xfrm>
             <a:off x="1848600" y="3636720"/>
-            <a:ext cx="6532560" cy="2905560"/>
+            <a:ext cx="6532200" cy="2905200"/>
           </a:xfrm>
           <a:prstGeom prst="rect">
             <a:avLst/>
@@ -10904,7 +11585,11 @@
           <a:p>
             <a:r>
               <a:rPr lang="en-AU" strike="noStrike">
-                <a:latin typeface="Arial"/>
+                <a:solidFill>
+                  <a:srgbClr val="000000"/>
+                </a:solidFill>
+                <a:latin typeface="Arial"/>
+                <a:ea typeface="DejaVu Sans"/>
               </a:rPr>
               <a:t>http://shop.oreilly.com/product/9781565920989.do</a:t>
             </a:r>
@@ -10931,7 +11616,7 @@
         <p:spPr>
           <a:xfrm>
             <a:off x="2886480" y="432000"/>
-            <a:ext cx="3809160" cy="4997880"/>
+            <a:ext cx="3808800" cy="4997520"/>
           </a:xfrm>
           <a:prstGeom prst="rect">
             <a:avLst/>
@@ -10946,10 +11631,10 @@
   <p:timing>
     <p:tnLst>
       <p:par>
-        <p:cTn id="7" dur="indefinite" restart="never" nodeType="tmRoot">
+        <p:cTn id="9" dur="indefinite" restart="never" nodeType="tmRoot">
           <p:childTnLst>
             <p:seq>
-              <p:cTn id="8" nodeType="mainSeq"/>
+              <p:cTn id="10" nodeType="mainSeq"/>
               <p:prevCondLst>
                 <p:cond delay="0" evt="onPrev">
                   <p:tgtEl>
@@ -10999,7 +11684,7 @@
         <p:spPr>
           <a:xfrm>
             <a:off x="504000" y="301320"/>
-            <a:ext cx="9071280" cy="1261800"/>
+            <a:ext cx="9070920" cy="1261440"/>
           </a:xfrm>
           <a:prstGeom prst="rect">
             <a:avLst/>
@@ -11025,7 +11710,11 @@
             </a:pPr>
             <a:r>
               <a:rPr lang="en-AU" sz="4400" strike="noStrike">
-                <a:latin typeface="Arial"/>
+                <a:solidFill>
+                  <a:srgbClr val="000000"/>
+                </a:solidFill>
+                <a:latin typeface="Arial"/>
+                <a:ea typeface="DejaVu Sans"/>
               </a:rPr>
               <a:t>GPG</a:t>
             </a:r>
@@ -11042,7 +11731,7 @@
         <p:spPr>
           <a:xfrm>
             <a:off x="504000" y="1769040"/>
-            <a:ext cx="9071280" cy="4384080"/>
+            <a:ext cx="9070920" cy="4383720"/>
           </a:xfrm>
           <a:prstGeom prst="rect">
             <a:avLst/>
@@ -11111,7 +11800,11 @@
             </a:pPr>
             <a:r>
               <a:rPr lang="en-AU" sz="3200" strike="noStrike">
-                <a:latin typeface="Arial"/>
+                <a:solidFill>
+                  <a:srgbClr val="000000"/>
+                </a:solidFill>
+                <a:latin typeface="Arial"/>
+                <a:ea typeface="DejaVu Sans"/>
               </a:rPr>
               <a:t>GNU Privacy Guard</a:t>
             </a:r>
@@ -11128,7 +11821,11 @@
             </a:pPr>
             <a:r>
               <a:rPr lang="en-AU" sz="3200" strike="noStrike">
-                <a:latin typeface="Arial"/>
+                <a:solidFill>
+                  <a:srgbClr val="000000"/>
+                </a:solidFill>
+                <a:latin typeface="Arial"/>
+                <a:ea typeface="DejaVu Sans"/>
               </a:rPr>
               <a:t>Available on most Linux systems</a:t>
             </a:r>
@@ -11145,7 +11842,11 @@
             </a:pPr>
             <a:r>
               <a:rPr lang="en-AU" sz="3200" strike="noStrike">
-                <a:latin typeface="Arial"/>
+                <a:solidFill>
+                  <a:srgbClr val="000000"/>
+                </a:solidFill>
+                <a:latin typeface="Arial"/>
+                <a:ea typeface="DejaVu Sans"/>
               </a:rPr>
               <a:t>Otherwise</a:t>
             </a:r>
@@ -11162,7 +11863,11 @@
             </a:pPr>
             <a:r>
               <a:rPr lang="en-AU" sz="2800" strike="noStrike">
-                <a:latin typeface="Arial"/>
+                <a:solidFill>
+                  <a:srgbClr val="000000"/>
+                </a:solidFill>
+                <a:latin typeface="Arial"/>
+                <a:ea typeface="DejaVu Sans"/>
               </a:rPr>
               <a:t>apt-get install gnupg</a:t>
             </a:r>
@@ -11179,7 +11884,11 @@
             </a:pPr>
             <a:r>
               <a:rPr lang="en-AU" sz="2800" strike="noStrike">
-                <a:latin typeface="Arial"/>
+                <a:solidFill>
+                  <a:srgbClr val="000000"/>
+                </a:solidFill>
+                <a:latin typeface="Arial"/>
+                <a:ea typeface="DejaVu Sans"/>
               </a:rPr>
               <a:t>yum install gnupg</a:t>
             </a:r>
@@ -11200,7 +11909,7 @@
         <p:spPr>
           <a:xfrm>
             <a:off x="2880000" y="1440000"/>
-            <a:ext cx="3815640" cy="1871640"/>
+            <a:ext cx="3815280" cy="1871280"/>
           </a:xfrm>
           <a:prstGeom prst="rect">
             <a:avLst/>
@@ -11219,7 +11928,7 @@
         <p:spPr>
           <a:xfrm>
             <a:off x="3092040" y="3636720"/>
-            <a:ext cx="4045320" cy="601920"/>
+            <a:ext cx="4044960" cy="601560"/>
           </a:xfrm>
           <a:prstGeom prst="rect">
             <a:avLst/>
@@ -11240,7 +11949,11 @@
           <a:p>
             <a:r>
               <a:rPr lang="en-AU" strike="noStrike">
-                <a:latin typeface="Arial"/>
+                <a:solidFill>
+                  <a:srgbClr val="000000"/>
+                </a:solidFill>
+                <a:latin typeface="Arial"/>
+                <a:ea typeface="DejaVu Sans"/>
               </a:rPr>
               <a:t>http://www.patriceguay.com/livecd/gpg</a:t>
             </a:r>
@@ -11256,10 +11969,10 @@
   <p:timing>
     <p:tnLst>
       <p:par>
-        <p:cTn id="9" dur="indefinite" restart="never" nodeType="tmRoot">
+        <p:cTn id="11" dur="indefinite" restart="never" nodeType="tmRoot">
           <p:childTnLst>
             <p:seq>
-              <p:cTn id="10" nodeType="mainSeq"/>
+              <p:cTn id="12" nodeType="mainSeq"/>
               <p:prevCondLst>
                 <p:cond delay="0" evt="onPrev">
                   <p:tgtEl>
@@ -11309,7 +12022,7 @@
         <p:spPr>
           <a:xfrm>
             <a:off x="504000" y="301320"/>
-            <a:ext cx="9071280" cy="1261800"/>
+            <a:ext cx="9070920" cy="1261440"/>
           </a:xfrm>
           <a:prstGeom prst="rect">
             <a:avLst/>
@@ -11335,7 +12048,11 @@
             </a:pPr>
             <a:r>
               <a:rPr lang="en-AU" sz="4400" strike="noStrike">
-                <a:latin typeface="Arial"/>
+                <a:solidFill>
+                  <a:srgbClr val="000000"/>
+                </a:solidFill>
+                <a:latin typeface="Arial"/>
+                <a:ea typeface="DejaVu Sans"/>
               </a:rPr>
               <a:t>Getting started</a:t>
             </a:r>
@@ -11352,7 +12069,7 @@
         <p:spPr>
           <a:xfrm>
             <a:off x="504000" y="1769040"/>
-            <a:ext cx="9071280" cy="4384080"/>
+            <a:ext cx="9070920" cy="4383720"/>
           </a:xfrm>
           <a:prstGeom prst="rect">
             <a:avLst/>
@@ -11381,7 +12098,11 @@
             </a:pPr>
             <a:r>
               <a:rPr lang="en-AU" sz="3200" strike="noStrike">
-                <a:latin typeface="Arial"/>
+                <a:solidFill>
+                  <a:srgbClr val="000000"/>
+                </a:solidFill>
+                <a:latin typeface="Arial"/>
+                <a:ea typeface="DejaVu Sans"/>
               </a:rPr>
               <a:t>Generate a new key</a:t>
             </a:r>
@@ -11398,7 +12119,11 @@
             </a:pPr>
             <a:r>
               <a:rPr lang="en-AU" sz="2800" strike="noStrike">
-                <a:latin typeface="Arial"/>
+                <a:solidFill>
+                  <a:srgbClr val="000000"/>
+                </a:solidFill>
+                <a:latin typeface="Arial"/>
+                <a:ea typeface="DejaVu Sans"/>
               </a:rPr>
               <a:t>Actually two keys: one for signing only</a:t>
             </a:r>
@@ -11415,7 +12140,11 @@
             </a:pPr>
             <a:r>
               <a:rPr lang="en-AU" sz="2800" strike="noStrike">
-                <a:latin typeface="Arial"/>
+                <a:solidFill>
+                  <a:srgbClr val="000000"/>
+                </a:solidFill>
+                <a:latin typeface="Arial"/>
+                <a:ea typeface="DejaVu Sans"/>
               </a:rPr>
               <a:t>You associate it with an user id</a:t>
             </a:r>
@@ -11432,7 +12161,11 @@
             </a:pPr>
             <a:r>
               <a:rPr lang="en-AU" sz="2800" strike="noStrike">
-                <a:latin typeface="Arial"/>
+                <a:solidFill>
+                  <a:srgbClr val="000000"/>
+                </a:solidFill>
+                <a:latin typeface="Arial"/>
+                <a:ea typeface="DejaVu Sans"/>
               </a:rPr>
               <a:t>The longer the key the safer it is</a:t>
             </a:r>
@@ -11449,7 +12182,11 @@
             </a:pPr>
             <a:r>
               <a:rPr lang="en-AU" sz="2800" strike="noStrike">
-                <a:latin typeface="Arial"/>
+                <a:solidFill>
+                  <a:srgbClr val="000000"/>
+                </a:solidFill>
+                <a:latin typeface="Arial"/>
+                <a:ea typeface="DejaVu Sans"/>
               </a:rPr>
               <a:t>You will need to generate a lot of randomness</a:t>
             </a:r>
@@ -11462,10 +12199,10 @@
   <p:timing>
     <p:tnLst>
       <p:par>
-        <p:cTn id="11" dur="indefinite" restart="never" nodeType="tmRoot">
+        <p:cTn id="13" dur="indefinite" restart="never" nodeType="tmRoot">
           <p:childTnLst>
             <p:seq>
-              <p:cTn id="12" nodeType="mainSeq"/>
+              <p:cTn id="14" nodeType="mainSeq"/>
               <p:prevCondLst>
                 <p:cond delay="0" evt="onPrev">
                   <p:tgtEl>
@@ -11515,7 +12252,7 @@
         <p:spPr>
           <a:xfrm>
             <a:off x="504000" y="301320"/>
-            <a:ext cx="9071280" cy="1261800"/>
+            <a:ext cx="9070920" cy="1261440"/>
           </a:xfrm>
           <a:prstGeom prst="rect">
             <a:avLst/>
@@ -11541,7 +12278,11 @@
             </a:pPr>
             <a:r>
               <a:rPr lang="en-AU" sz="4400" strike="noStrike">
-                <a:latin typeface="Arial"/>
+                <a:solidFill>
+                  <a:srgbClr val="000000"/>
+                </a:solidFill>
+                <a:latin typeface="Arial"/>
+                <a:ea typeface="DejaVu Sans"/>
               </a:rPr>
               <a:t>Demo: Before keygen</a:t>
             </a:r>
@@ -11558,7 +12299,7 @@
         <p:spPr>
           <a:xfrm>
             <a:off x="504000" y="1769040"/>
-            <a:ext cx="9071280" cy="4384080"/>
+            <a:ext cx="9070920" cy="4383720"/>
           </a:xfrm>
           <a:prstGeom prst="rect">
             <a:avLst/>
@@ -11588,7 +12329,7 @@
         <p:spPr>
           <a:xfrm>
             <a:off x="1224000" y="1440000"/>
-            <a:ext cx="7775640" cy="5651640"/>
+            <a:ext cx="7775280" cy="5651280"/>
           </a:xfrm>
           <a:prstGeom prst="rect">
             <a:avLst/>
@@ -11603,10 +12344,10 @@
   <p:timing>
     <p:tnLst>
       <p:par>
-        <p:cTn id="13" dur="indefinite" restart="never" nodeType="tmRoot">
+        <p:cTn id="15" dur="indefinite" restart="never" nodeType="tmRoot">
           <p:childTnLst>
             <p:seq>
-              <p:cTn id="14" nodeType="mainSeq"/>
+              <p:cTn id="16" nodeType="mainSeq"/>
               <p:prevCondLst>
                 <p:cond delay="0" evt="onPrev">
                   <p:tgtEl>
@@ -11656,7 +12397,7 @@
         <p:spPr>
           <a:xfrm>
             <a:off x="504000" y="301320"/>
-            <a:ext cx="9071280" cy="1261800"/>
+            <a:ext cx="9070920" cy="1261440"/>
           </a:xfrm>
           <a:prstGeom prst="rect">
             <a:avLst/>
@@ -11682,7 +12423,11 @@
             </a:pPr>
             <a:r>
               <a:rPr lang="en-AU" sz="4400" strike="noStrike">
-                <a:latin typeface="Arial"/>
+                <a:solidFill>
+                  <a:srgbClr val="000000"/>
+                </a:solidFill>
+                <a:latin typeface="Arial"/>
+                <a:ea typeface="DejaVu Sans"/>
               </a:rPr>
               <a:t>Demo: Generate a key (1)</a:t>
             </a:r>
@@ -11699,7 +12444,7 @@
         <p:spPr>
           <a:xfrm>
             <a:off x="504000" y="1769040"/>
-            <a:ext cx="9071280" cy="4384080"/>
+            <a:ext cx="9070920" cy="4383720"/>
           </a:xfrm>
           <a:prstGeom prst="rect">
             <a:avLst/>
@@ -11729,7 +12474,7 @@
         <p:spPr>
           <a:xfrm>
             <a:off x="74880" y="2297880"/>
-            <a:ext cx="10079280" cy="3023280"/>
+            <a:ext cx="10078920" cy="3022920"/>
           </a:xfrm>
           <a:prstGeom prst="rect">
             <a:avLst/>
@@ -11752,7 +12497,7 @@
         <p:spPr>
           <a:xfrm>
             <a:off x="720000" y="1296000"/>
-            <a:ext cx="8711640" cy="5975640"/>
+            <a:ext cx="8711280" cy="5975280"/>
           </a:xfrm>
           <a:prstGeom prst="rect">
             <a:avLst/>
@@ -11767,10 +12512,10 @@
   <p:timing>
     <p:tnLst>
       <p:par>
-        <p:cTn id="15" dur="indefinite" restart="never" nodeType="tmRoot">
+        <p:cTn id="17" dur="indefinite" restart="never" nodeType="tmRoot">
           <p:childTnLst>
             <p:seq>
-              <p:cTn id="16" nodeType="mainSeq"/>
+              <p:cTn id="18" nodeType="mainSeq"/>
               <p:prevCondLst>
                 <p:cond delay="0" evt="onPrev">
                   <p:tgtEl>
